--- a/Abandoned Notes/Abandoned Notes.pptx
+++ b/Abandoned Notes/Abandoned Notes.pptx
@@ -13,10 +13,13 @@
     <p:sldId id="281" r:id="rId7"/>
     <p:sldId id="274" r:id="rId8"/>
     <p:sldId id="279" r:id="rId9"/>
-    <p:sldId id="275" r:id="rId10"/>
-    <p:sldId id="270" r:id="rId11"/>
-    <p:sldId id="282" r:id="rId12"/>
-    <p:sldId id="276" r:id="rId13"/>
+    <p:sldId id="273" r:id="rId10"/>
+    <p:sldId id="278" r:id="rId11"/>
+    <p:sldId id="277" r:id="rId12"/>
+    <p:sldId id="275" r:id="rId13"/>
+    <p:sldId id="270" r:id="rId14"/>
+    <p:sldId id="282" r:id="rId15"/>
+    <p:sldId id="276" r:id="rId16"/>
   </p:sldIdLst>
   <p:sldSz cx="12192000" cy="6858000"/>
   <p:notesSz cx="6858000" cy="9144000"/>
@@ -115,6 +118,11 @@
       </a:defRPr>
     </a:lvl9pPr>
   </p:defaultTextStyle>
+  <p:extLst>
+    <p:ext uri="{EFAFB233-063F-42B5-8137-9DF3F51BA10A}">
+      <p15:sldGuideLst xmlns:p15="http://schemas.microsoft.com/office/powerpoint/2012/main"/>
+    </p:ext>
+  </p:extLst>
 </p:presentation>
 </file>
 
@@ -267,7 +275,7 @@
           <a:p>
             <a:fld id="{18F51A5D-4D44-443E-835B-0BB2D99AABA7}" type="datetimeFigureOut">
               <a:rPr lang="zh-HK" altLang="en-US" smtClean="0"/>
-              <a:t>21/1/2024</a:t>
+              <a:t>24/1/2024</a:t>
             </a:fld>
             <a:endParaRPr lang="zh-HK" altLang="en-US"/>
           </a:p>
@@ -467,7 +475,7 @@
           <a:p>
             <a:fld id="{18F51A5D-4D44-443E-835B-0BB2D99AABA7}" type="datetimeFigureOut">
               <a:rPr lang="zh-HK" altLang="en-US" smtClean="0"/>
-              <a:t>21/1/2024</a:t>
+              <a:t>24/1/2024</a:t>
             </a:fld>
             <a:endParaRPr lang="zh-HK" altLang="en-US"/>
           </a:p>
@@ -677,7 +685,7 @@
           <a:p>
             <a:fld id="{18F51A5D-4D44-443E-835B-0BB2D99AABA7}" type="datetimeFigureOut">
               <a:rPr lang="zh-HK" altLang="en-US" smtClean="0"/>
-              <a:t>21/1/2024</a:t>
+              <a:t>24/1/2024</a:t>
             </a:fld>
             <a:endParaRPr lang="zh-HK" altLang="en-US"/>
           </a:p>
@@ -877,7 +885,7 @@
           <a:p>
             <a:fld id="{18F51A5D-4D44-443E-835B-0BB2D99AABA7}" type="datetimeFigureOut">
               <a:rPr lang="zh-HK" altLang="en-US" smtClean="0"/>
-              <a:t>21/1/2024</a:t>
+              <a:t>24/1/2024</a:t>
             </a:fld>
             <a:endParaRPr lang="zh-HK" altLang="en-US"/>
           </a:p>
@@ -1153,7 +1161,7 @@
           <a:p>
             <a:fld id="{18F51A5D-4D44-443E-835B-0BB2D99AABA7}" type="datetimeFigureOut">
               <a:rPr lang="zh-HK" altLang="en-US" smtClean="0"/>
-              <a:t>21/1/2024</a:t>
+              <a:t>24/1/2024</a:t>
             </a:fld>
             <a:endParaRPr lang="zh-HK" altLang="en-US"/>
           </a:p>
@@ -1421,7 +1429,7 @@
           <a:p>
             <a:fld id="{18F51A5D-4D44-443E-835B-0BB2D99AABA7}" type="datetimeFigureOut">
               <a:rPr lang="zh-HK" altLang="en-US" smtClean="0"/>
-              <a:t>21/1/2024</a:t>
+              <a:t>24/1/2024</a:t>
             </a:fld>
             <a:endParaRPr lang="zh-HK" altLang="en-US"/>
           </a:p>
@@ -1836,7 +1844,7 @@
           <a:p>
             <a:fld id="{18F51A5D-4D44-443E-835B-0BB2D99AABA7}" type="datetimeFigureOut">
               <a:rPr lang="zh-HK" altLang="en-US" smtClean="0"/>
-              <a:t>21/1/2024</a:t>
+              <a:t>24/1/2024</a:t>
             </a:fld>
             <a:endParaRPr lang="zh-HK" altLang="en-US"/>
           </a:p>
@@ -1978,7 +1986,7 @@
           <a:p>
             <a:fld id="{18F51A5D-4D44-443E-835B-0BB2D99AABA7}" type="datetimeFigureOut">
               <a:rPr lang="zh-HK" altLang="en-US" smtClean="0"/>
-              <a:t>21/1/2024</a:t>
+              <a:t>24/1/2024</a:t>
             </a:fld>
             <a:endParaRPr lang="zh-HK" altLang="en-US"/>
           </a:p>
@@ -2091,7 +2099,7 @@
           <a:p>
             <a:fld id="{18F51A5D-4D44-443E-835B-0BB2D99AABA7}" type="datetimeFigureOut">
               <a:rPr lang="zh-HK" altLang="en-US" smtClean="0"/>
-              <a:t>21/1/2024</a:t>
+              <a:t>24/1/2024</a:t>
             </a:fld>
             <a:endParaRPr lang="zh-HK" altLang="en-US"/>
           </a:p>
@@ -2404,7 +2412,7 @@
           <a:p>
             <a:fld id="{18F51A5D-4D44-443E-835B-0BB2D99AABA7}" type="datetimeFigureOut">
               <a:rPr lang="zh-HK" altLang="en-US" smtClean="0"/>
-              <a:t>21/1/2024</a:t>
+              <a:t>24/1/2024</a:t>
             </a:fld>
             <a:endParaRPr lang="zh-HK" altLang="en-US"/>
           </a:p>
@@ -2693,7 +2701,7 @@
           <a:p>
             <a:fld id="{18F51A5D-4D44-443E-835B-0BB2D99AABA7}" type="datetimeFigureOut">
               <a:rPr lang="zh-HK" altLang="en-US" smtClean="0"/>
-              <a:t>21/1/2024</a:t>
+              <a:t>24/1/2024</a:t>
             </a:fld>
             <a:endParaRPr lang="zh-HK" altLang="en-US"/>
           </a:p>
@@ -2936,7 +2944,7 @@
           <a:p>
             <a:fld id="{18F51A5D-4D44-443E-835B-0BB2D99AABA7}" type="datetimeFigureOut">
               <a:rPr lang="zh-HK" altLang="en-US" smtClean="0"/>
-              <a:t>21/1/2024</a:t>
+              <a:t>24/1/2024</a:t>
             </a:fld>
             <a:endParaRPr lang="zh-HK" altLang="en-US"/>
           </a:p>
@@ -3491,6 +3499,2399 @@
         </p:nvSpPr>
         <p:spPr>
           <a:xfrm>
+            <a:off x="0" y="0"/>
+            <a:ext cx="8395061" cy="5702330"/>
+          </a:xfrm>
+          <a:prstGeom prst="rect">
+            <a:avLst/>
+          </a:prstGeom>
+          <a:noFill/>
+        </p:spPr>
+        <p:txBody>
+          <a:bodyPr wrap="square">
+            <a:spAutoFit/>
+          </a:bodyPr>
+          <a:lstStyle/>
+          <a:p>
+            <a:pPr>
+              <a:lnSpc>
+                <a:spcPct val="115000"/>
+              </a:lnSpc>
+              <a:spcAft>
+                <a:spcPts val="800"/>
+              </a:spcAft>
+            </a:pPr>
+            <a:r>
+              <a:rPr lang="en-US" altLang="zh-TW" sz="2400" kern="100" dirty="0">
+                <a:latin typeface="Times New Roman" panose="02020603050405020304" pitchFamily="18" charset="0"/>
+                <a:ea typeface="新細明體" panose="02020500000000000000" pitchFamily="18" charset="-120"/>
+                <a:cs typeface="Arial" panose="020B0604020202020204" pitchFamily="34" charset="0"/>
+              </a:rPr>
+              <a:t>Q2 Task 1 &amp; 2</a:t>
+            </a:r>
+            <a:endParaRPr lang="en-US" altLang="zh-HK" sz="1200" dirty="0"/>
+          </a:p>
+          <a:p>
+            <a:pPr>
+              <a:lnSpc>
+                <a:spcPct val="115000"/>
+              </a:lnSpc>
+              <a:spcAft>
+                <a:spcPts val="800"/>
+              </a:spcAft>
+            </a:pPr>
+            <a:r>
+              <a:rPr lang="en-US" altLang="zh-HK" sz="2000" b="1" dirty="0">
+                <a:latin typeface="Times New Roman" panose="02020603050405020304" pitchFamily="18" charset="0"/>
+                <a:cs typeface="Times New Roman" panose="02020603050405020304" pitchFamily="18" charset="0"/>
+              </a:rPr>
+              <a:t>Task 1 - How would you approach this situation? </a:t>
+            </a:r>
+          </a:p>
+          <a:p>
+            <a:pPr marL="228600" indent="-228600">
+              <a:lnSpc>
+                <a:spcPct val="115000"/>
+              </a:lnSpc>
+              <a:spcAft>
+                <a:spcPts val="800"/>
+              </a:spcAft>
+              <a:buAutoNum type="arabicPeriod"/>
+            </a:pPr>
+            <a:endParaRPr lang="en-US" altLang="zh-TW" sz="1200" kern="100" dirty="0">
+              <a:latin typeface="Times New Roman" panose="02020603050405020304" pitchFamily="18" charset="0"/>
+              <a:ea typeface="新細明體" panose="02020500000000000000" pitchFamily="18" charset="-120"/>
+              <a:cs typeface="Arial" panose="020B0604020202020204" pitchFamily="34" charset="0"/>
+            </a:endParaRPr>
+          </a:p>
+          <a:p>
+            <a:pPr lvl="2">
+              <a:lnSpc>
+                <a:spcPct val="115000"/>
+              </a:lnSpc>
+              <a:spcAft>
+                <a:spcPts val="800"/>
+              </a:spcAft>
+            </a:pPr>
+            <a:r>
+              <a:rPr lang="en-US" altLang="zh-TW" sz="2000" kern="100" dirty="0">
+                <a:latin typeface="Times New Roman" panose="02020603050405020304" pitchFamily="18" charset="0"/>
+                <a:ea typeface="新細明體" panose="02020500000000000000" pitchFamily="18" charset="-120"/>
+                <a:cs typeface="Arial" panose="020B0604020202020204" pitchFamily="34" charset="0"/>
+              </a:rPr>
+              <a:t>My full answer to question 2 task 1: </a:t>
+            </a:r>
+          </a:p>
+          <a:p>
+            <a:pPr algn="l"/>
+            <a:r>
+              <a:rPr lang="en-US" altLang="zh-HK" sz="1400" b="0" i="0" dirty="0">
+                <a:effectLst/>
+                <a:latin typeface="Times New Roman" panose="02020603050405020304" pitchFamily="18" charset="0"/>
+                <a:cs typeface="Times New Roman" panose="02020603050405020304" pitchFamily="18" charset="0"/>
+              </a:rPr>
+              <a:t>To address any problem or enhancement opportunity, my initial steps involve a comprehensive </a:t>
+            </a:r>
+            <a:r>
+              <a:rPr lang="en-US" altLang="zh-HK" sz="1400" i="0" u="sng" dirty="0">
+                <a:effectLst/>
+                <a:latin typeface="Times New Roman" panose="02020603050405020304" pitchFamily="18" charset="0"/>
+                <a:cs typeface="Times New Roman" panose="02020603050405020304" pitchFamily="18" charset="0"/>
+              </a:rPr>
+              <a:t>questioning</a:t>
+            </a:r>
+            <a:r>
+              <a:rPr lang="en-US" altLang="zh-HK" sz="1400" b="0" i="0" dirty="0">
+                <a:effectLst/>
+                <a:latin typeface="Times New Roman" panose="02020603050405020304" pitchFamily="18" charset="0"/>
+                <a:cs typeface="Times New Roman" panose="02020603050405020304" pitchFamily="18" charset="0"/>
+              </a:rPr>
+              <a:t> </a:t>
+            </a:r>
+            <a:r>
+              <a:rPr lang="en-US" altLang="zh-HK" sz="1400" b="0" i="0" u="sng" dirty="0">
+                <a:effectLst/>
+                <a:latin typeface="Times New Roman" panose="02020603050405020304" pitchFamily="18" charset="0"/>
+                <a:cs typeface="Times New Roman" panose="02020603050405020304" pitchFamily="18" charset="0"/>
+              </a:rPr>
+              <a:t>process</a:t>
+            </a:r>
+            <a:r>
+              <a:rPr lang="en-US" altLang="zh-HK" sz="1400" b="0" i="0" dirty="0">
+                <a:effectLst/>
+                <a:latin typeface="Times New Roman" panose="02020603050405020304" pitchFamily="18" charset="0"/>
+                <a:cs typeface="Times New Roman" panose="02020603050405020304" pitchFamily="18" charset="0"/>
+              </a:rPr>
+              <a:t>. I start by </a:t>
+            </a:r>
+            <a:r>
+              <a:rPr lang="en-US" altLang="zh-HK" sz="1400" b="0" i="0" u="sng" dirty="0">
+                <a:effectLst/>
+                <a:latin typeface="Times New Roman" panose="02020603050405020304" pitchFamily="18" charset="0"/>
+                <a:cs typeface="Times New Roman" panose="02020603050405020304" pitchFamily="18" charset="0"/>
+              </a:rPr>
+              <a:t>identifying the problem </a:t>
+            </a:r>
+            <a:r>
+              <a:rPr lang="en-US" altLang="zh-HK" sz="1400" b="0" i="0" dirty="0">
+                <a:effectLst/>
+                <a:latin typeface="Times New Roman" panose="02020603050405020304" pitchFamily="18" charset="0"/>
+                <a:cs typeface="Times New Roman" panose="02020603050405020304" pitchFamily="18" charset="0"/>
+              </a:rPr>
+              <a:t>and determining if it can be clearly defined. </a:t>
+            </a:r>
+            <a:r>
+              <a:rPr lang="en-US" altLang="zh-HK" sz="1400" b="0" i="0" u="sng" dirty="0">
+                <a:effectLst/>
+                <a:latin typeface="Times New Roman" panose="02020603050405020304" pitchFamily="18" charset="0"/>
+                <a:cs typeface="Times New Roman" panose="02020603050405020304" pitchFamily="18" charset="0"/>
+              </a:rPr>
+              <a:t>Understanding</a:t>
+            </a:r>
+            <a:r>
+              <a:rPr lang="en-US" altLang="zh-HK" sz="1400" b="0" i="0" dirty="0">
+                <a:effectLst/>
+                <a:latin typeface="Times New Roman" panose="02020603050405020304" pitchFamily="18" charset="0"/>
+                <a:cs typeface="Times New Roman" panose="02020603050405020304" pitchFamily="18" charset="0"/>
+              </a:rPr>
+              <a:t> the </a:t>
+            </a:r>
+            <a:r>
+              <a:rPr lang="en-US" altLang="zh-HK" sz="1400" b="0" i="0" u="sng" dirty="0">
+                <a:effectLst/>
+                <a:latin typeface="Times New Roman" panose="02020603050405020304" pitchFamily="18" charset="0"/>
+                <a:cs typeface="Times New Roman" panose="02020603050405020304" pitchFamily="18" charset="0"/>
+              </a:rPr>
+              <a:t>workflow</a:t>
+            </a:r>
+            <a:r>
+              <a:rPr lang="en-US" altLang="zh-HK" sz="1400" b="0" i="0" dirty="0">
+                <a:effectLst/>
+                <a:latin typeface="Times New Roman" panose="02020603050405020304" pitchFamily="18" charset="0"/>
+                <a:cs typeface="Times New Roman" panose="02020603050405020304" pitchFamily="18" charset="0"/>
+              </a:rPr>
+              <a:t> and </a:t>
+            </a:r>
+            <a:r>
+              <a:rPr lang="en-US" altLang="zh-HK" sz="1400" b="0" i="0" u="sng" dirty="0">
+                <a:effectLst/>
+                <a:latin typeface="Times New Roman" panose="02020603050405020304" pitchFamily="18" charset="0"/>
+                <a:cs typeface="Times New Roman" panose="02020603050405020304" pitchFamily="18" charset="0"/>
+              </a:rPr>
+              <a:t>roles</a:t>
+            </a:r>
+            <a:r>
+              <a:rPr lang="en-US" altLang="zh-HK" sz="1400" b="0" i="0" dirty="0">
+                <a:effectLst/>
+                <a:latin typeface="Times New Roman" panose="02020603050405020304" pitchFamily="18" charset="0"/>
+                <a:cs typeface="Times New Roman" panose="02020603050405020304" pitchFamily="18" charset="0"/>
+              </a:rPr>
+              <a:t> involved is crucial, prompting </a:t>
+            </a:r>
+            <a:r>
+              <a:rPr lang="en-US" altLang="zh-HK" sz="1400" b="0" i="0" u="sng" dirty="0">
+                <a:effectLst/>
+                <a:latin typeface="Times New Roman" panose="02020603050405020304" pitchFamily="18" charset="0"/>
+                <a:cs typeface="Times New Roman" panose="02020603050405020304" pitchFamily="18" charset="0"/>
+              </a:rPr>
+              <a:t>inquiries</a:t>
+            </a:r>
+            <a:r>
+              <a:rPr lang="en-US" altLang="zh-HK" sz="1400" b="0" i="0" dirty="0">
+                <a:effectLst/>
+                <a:latin typeface="Times New Roman" panose="02020603050405020304" pitchFamily="18" charset="0"/>
+                <a:cs typeface="Times New Roman" panose="02020603050405020304" pitchFamily="18" charset="0"/>
+              </a:rPr>
+              <a:t> into how the </a:t>
+            </a:r>
+            <a:r>
+              <a:rPr lang="en-US" altLang="zh-HK" sz="1400" b="0" i="0" u="sng" dirty="0">
+                <a:effectLst/>
+                <a:latin typeface="Times New Roman" panose="02020603050405020304" pitchFamily="18" charset="0"/>
+                <a:cs typeface="Times New Roman" panose="02020603050405020304" pitchFamily="18" charset="0"/>
+              </a:rPr>
+              <a:t>business</a:t>
+            </a:r>
+            <a:r>
+              <a:rPr lang="en-US" altLang="zh-HK" sz="1400" b="0" i="0" dirty="0">
+                <a:effectLst/>
+                <a:latin typeface="Times New Roman" panose="02020603050405020304" pitchFamily="18" charset="0"/>
+                <a:cs typeface="Times New Roman" panose="02020603050405020304" pitchFamily="18" charset="0"/>
+              </a:rPr>
+              <a:t> and platform operate.</a:t>
+            </a:r>
+          </a:p>
+          <a:p>
+            <a:pPr algn="l"/>
+            <a:endParaRPr lang="en-US" altLang="zh-HK" sz="1400" b="0" i="0" dirty="0">
+              <a:effectLst/>
+              <a:latin typeface="Times New Roman" panose="02020603050405020304" pitchFamily="18" charset="0"/>
+              <a:cs typeface="Times New Roman" panose="02020603050405020304" pitchFamily="18" charset="0"/>
+            </a:endParaRPr>
+          </a:p>
+          <a:p>
+            <a:pPr algn="l"/>
+            <a:r>
+              <a:rPr lang="en-US" altLang="zh-HK" sz="1400" b="0" i="0" dirty="0">
+                <a:effectLst/>
+                <a:latin typeface="Times New Roman" panose="02020603050405020304" pitchFamily="18" charset="0"/>
+                <a:cs typeface="Times New Roman" panose="02020603050405020304" pitchFamily="18" charset="0"/>
+              </a:rPr>
+              <a:t>To analyze the root cause and gather relevant information, I </a:t>
+            </a:r>
+            <a:r>
+              <a:rPr lang="en-US" altLang="zh-HK" sz="1400" b="0" i="0" u="sng" dirty="0">
+                <a:effectLst/>
+                <a:latin typeface="Times New Roman" panose="02020603050405020304" pitchFamily="18" charset="0"/>
+                <a:cs typeface="Times New Roman" panose="02020603050405020304" pitchFamily="18" charset="0"/>
+              </a:rPr>
+              <a:t>seek</a:t>
+            </a:r>
+            <a:r>
+              <a:rPr lang="en-US" altLang="zh-HK" sz="1400" b="0" i="0" dirty="0">
+                <a:effectLst/>
+                <a:latin typeface="Times New Roman" panose="02020603050405020304" pitchFamily="18" charset="0"/>
+                <a:cs typeface="Times New Roman" panose="02020603050405020304" pitchFamily="18" charset="0"/>
+              </a:rPr>
+              <a:t> </a:t>
+            </a:r>
+            <a:r>
+              <a:rPr lang="en-US" altLang="zh-HK" sz="1400" b="0" i="0" u="sng" dirty="0">
+                <a:effectLst/>
+                <a:latin typeface="Times New Roman" panose="02020603050405020304" pitchFamily="18" charset="0"/>
+                <a:cs typeface="Times New Roman" panose="02020603050405020304" pitchFamily="18" charset="0"/>
+              </a:rPr>
+              <a:t>information</a:t>
+            </a:r>
+            <a:r>
+              <a:rPr lang="en-US" altLang="zh-HK" sz="1400" b="0" i="0" dirty="0">
+                <a:effectLst/>
+                <a:latin typeface="Times New Roman" panose="02020603050405020304" pitchFamily="18" charset="0"/>
+                <a:cs typeface="Times New Roman" panose="02020603050405020304" pitchFamily="18" charset="0"/>
+              </a:rPr>
+              <a:t> from key stakeholders and identify resources such as system documentation, previous project records, and interviews with users. This questioning phase helps me form a solid foundation for the subsequent steps.</a:t>
+            </a:r>
+          </a:p>
+          <a:p>
+            <a:pPr algn="l"/>
+            <a:endParaRPr lang="en-US" altLang="zh-HK" sz="1400" b="0" i="0" dirty="0">
+              <a:effectLst/>
+              <a:latin typeface="Times New Roman" panose="02020603050405020304" pitchFamily="18" charset="0"/>
+              <a:cs typeface="Times New Roman" panose="02020603050405020304" pitchFamily="18" charset="0"/>
+            </a:endParaRPr>
+          </a:p>
+          <a:p>
+            <a:pPr algn="l"/>
+            <a:r>
+              <a:rPr lang="en-US" altLang="zh-HK" sz="1400" b="0" i="0" dirty="0">
+                <a:effectLst/>
+                <a:latin typeface="Times New Roman" panose="02020603050405020304" pitchFamily="18" charset="0"/>
+                <a:cs typeface="Times New Roman" panose="02020603050405020304" pitchFamily="18" charset="0"/>
+              </a:rPr>
+              <a:t>My approach comprises five key steps. </a:t>
+            </a:r>
+          </a:p>
+          <a:p>
+            <a:pPr algn="l"/>
+            <a:r>
+              <a:rPr lang="en-US" altLang="zh-HK" sz="1400" b="0" i="0" dirty="0">
+                <a:effectLst/>
+                <a:latin typeface="Times New Roman" panose="02020603050405020304" pitchFamily="18" charset="0"/>
+                <a:cs typeface="Times New Roman" panose="02020603050405020304" pitchFamily="18" charset="0"/>
+              </a:rPr>
+              <a:t>Firstly, I focus on </a:t>
+            </a:r>
+            <a:r>
+              <a:rPr lang="en-US" altLang="zh-HK" sz="1400" b="0" i="0" u="sng" dirty="0">
+                <a:effectLst/>
+                <a:highlight>
+                  <a:srgbClr val="FFFF00"/>
+                </a:highlight>
+                <a:latin typeface="Times New Roman" panose="02020603050405020304" pitchFamily="18" charset="0"/>
+                <a:cs typeface="Times New Roman" panose="02020603050405020304" pitchFamily="18" charset="0"/>
+              </a:rPr>
+              <a:t>understanding</a:t>
+            </a:r>
+            <a:r>
+              <a:rPr lang="en-US" altLang="zh-HK" sz="1400" b="0" i="0" dirty="0">
+                <a:effectLst/>
+                <a:latin typeface="Times New Roman" panose="02020603050405020304" pitchFamily="18" charset="0"/>
+                <a:cs typeface="Times New Roman" panose="02020603050405020304" pitchFamily="18" charset="0"/>
+              </a:rPr>
+              <a:t> the </a:t>
+            </a:r>
+            <a:r>
+              <a:rPr lang="en-US" altLang="zh-HK" sz="1400" b="0" i="0" u="sng" dirty="0">
+                <a:effectLst/>
+                <a:highlight>
+                  <a:srgbClr val="FFFF00"/>
+                </a:highlight>
+                <a:latin typeface="Times New Roman" panose="02020603050405020304" pitchFamily="18" charset="0"/>
+                <a:cs typeface="Times New Roman" panose="02020603050405020304" pitchFamily="18" charset="0"/>
+              </a:rPr>
+              <a:t>operations</a:t>
+            </a:r>
+            <a:r>
+              <a:rPr lang="en-US" altLang="zh-HK" sz="1400" b="0" i="0" dirty="0">
+                <a:effectLst/>
+                <a:latin typeface="Times New Roman" panose="02020603050405020304" pitchFamily="18" charset="0"/>
+                <a:cs typeface="Times New Roman" panose="02020603050405020304" pitchFamily="18" charset="0"/>
+              </a:rPr>
+              <a:t> of both the business and platform. This is followed by </a:t>
+            </a:r>
+            <a:r>
+              <a:rPr lang="en-US" altLang="zh-HK" sz="1400" b="0" i="0" u="sng" dirty="0">
+                <a:effectLst/>
+                <a:highlight>
+                  <a:srgbClr val="FFFF00"/>
+                </a:highlight>
+                <a:latin typeface="Times New Roman" panose="02020603050405020304" pitchFamily="18" charset="0"/>
+                <a:cs typeface="Times New Roman" panose="02020603050405020304" pitchFamily="18" charset="0"/>
+              </a:rPr>
+              <a:t>gathering</a:t>
+            </a:r>
+            <a:r>
+              <a:rPr lang="en-US" altLang="zh-HK" sz="1400" b="0" i="0" dirty="0">
+                <a:effectLst/>
+                <a:latin typeface="Times New Roman" panose="02020603050405020304" pitchFamily="18" charset="0"/>
+                <a:cs typeface="Times New Roman" panose="02020603050405020304" pitchFamily="18" charset="0"/>
+              </a:rPr>
+              <a:t> all relevant </a:t>
+            </a:r>
+            <a:r>
+              <a:rPr lang="en-US" altLang="zh-HK" sz="1400" b="0" i="0" u="sng" dirty="0">
+                <a:effectLst/>
+                <a:highlight>
+                  <a:srgbClr val="FFFF00"/>
+                </a:highlight>
+                <a:latin typeface="Times New Roman" panose="02020603050405020304" pitchFamily="18" charset="0"/>
+                <a:cs typeface="Times New Roman" panose="02020603050405020304" pitchFamily="18" charset="0"/>
+              </a:rPr>
+              <a:t>details</a:t>
+            </a:r>
+            <a:r>
+              <a:rPr lang="en-US" altLang="zh-HK" sz="1400" b="0" i="0" dirty="0">
+                <a:effectLst/>
+                <a:latin typeface="Times New Roman" panose="02020603050405020304" pitchFamily="18" charset="0"/>
+                <a:cs typeface="Times New Roman" panose="02020603050405020304" pitchFamily="18" charset="0"/>
+              </a:rPr>
+              <a:t> about the platform. The third step involves </a:t>
+            </a:r>
+            <a:r>
+              <a:rPr lang="en-US" altLang="zh-HK" sz="1400" b="0" i="0" u="sng" dirty="0">
+                <a:effectLst/>
+                <a:highlight>
+                  <a:srgbClr val="FFFF00"/>
+                </a:highlight>
+                <a:latin typeface="Times New Roman" panose="02020603050405020304" pitchFamily="18" charset="0"/>
+                <a:cs typeface="Times New Roman" panose="02020603050405020304" pitchFamily="18" charset="0"/>
+              </a:rPr>
+              <a:t>breaking</a:t>
+            </a:r>
+            <a:r>
+              <a:rPr lang="en-US" altLang="zh-HK" sz="1400" b="0" i="0" dirty="0">
+                <a:effectLst/>
+                <a:latin typeface="Times New Roman" panose="02020603050405020304" pitchFamily="18" charset="0"/>
+                <a:cs typeface="Times New Roman" panose="02020603050405020304" pitchFamily="18" charset="0"/>
+              </a:rPr>
+              <a:t> down identified </a:t>
+            </a:r>
+            <a:r>
+              <a:rPr lang="en-US" altLang="zh-HK" sz="1400" b="0" i="0" u="sng" dirty="0">
+                <a:effectLst/>
+                <a:highlight>
+                  <a:srgbClr val="FFFF00"/>
+                </a:highlight>
+                <a:latin typeface="Times New Roman" panose="02020603050405020304" pitchFamily="18" charset="0"/>
+                <a:cs typeface="Times New Roman" panose="02020603050405020304" pitchFamily="18" charset="0"/>
+              </a:rPr>
+              <a:t>issues</a:t>
+            </a:r>
+            <a:r>
+              <a:rPr lang="en-US" altLang="zh-HK" sz="1400" b="0" i="0" dirty="0">
+                <a:effectLst/>
+                <a:latin typeface="Times New Roman" panose="02020603050405020304" pitchFamily="18" charset="0"/>
+                <a:cs typeface="Times New Roman" panose="02020603050405020304" pitchFamily="18" charset="0"/>
+              </a:rPr>
+              <a:t> into manageable parts and </a:t>
+            </a:r>
+            <a:r>
+              <a:rPr lang="en-US" altLang="zh-HK" sz="1400" b="0" i="0" u="sng" dirty="0">
+                <a:effectLst/>
+                <a:highlight>
+                  <a:srgbClr val="FFFF00"/>
+                </a:highlight>
+                <a:latin typeface="Times New Roman" panose="02020603050405020304" pitchFamily="18" charset="0"/>
+                <a:cs typeface="Times New Roman" panose="02020603050405020304" pitchFamily="18" charset="0"/>
+              </a:rPr>
+              <a:t>defining</a:t>
+            </a:r>
+            <a:r>
+              <a:rPr lang="en-US" altLang="zh-HK" sz="1400" b="0" i="0" dirty="0">
+                <a:effectLst/>
+                <a:latin typeface="Times New Roman" panose="02020603050405020304" pitchFamily="18" charset="0"/>
+                <a:cs typeface="Times New Roman" panose="02020603050405020304" pitchFamily="18" charset="0"/>
+              </a:rPr>
+              <a:t> specific project </a:t>
+            </a:r>
+            <a:r>
+              <a:rPr lang="en-US" altLang="zh-HK" sz="1400" b="0" i="0" u="sng" dirty="0">
+                <a:effectLst/>
+                <a:highlight>
+                  <a:srgbClr val="FFFF00"/>
+                </a:highlight>
+                <a:latin typeface="Times New Roman" panose="02020603050405020304" pitchFamily="18" charset="0"/>
+                <a:cs typeface="Times New Roman" panose="02020603050405020304" pitchFamily="18" charset="0"/>
+              </a:rPr>
+              <a:t>goals</a:t>
+            </a:r>
+            <a:r>
+              <a:rPr lang="en-US" altLang="zh-HK" sz="1400" b="0" i="0" dirty="0">
+                <a:effectLst/>
+                <a:latin typeface="Times New Roman" panose="02020603050405020304" pitchFamily="18" charset="0"/>
+                <a:cs typeface="Times New Roman" panose="02020603050405020304" pitchFamily="18" charset="0"/>
+              </a:rPr>
+              <a:t>. Subsequently, I collaborate closely with stakeholders to </a:t>
+            </a:r>
+            <a:r>
+              <a:rPr lang="en-US" altLang="zh-HK" sz="1400" b="0" i="0" u="sng" dirty="0">
+                <a:effectLst/>
+                <a:highlight>
+                  <a:srgbClr val="FFFF00"/>
+                </a:highlight>
+                <a:latin typeface="Times New Roman" panose="02020603050405020304" pitchFamily="18" charset="0"/>
+                <a:cs typeface="Times New Roman" panose="02020603050405020304" pitchFamily="18" charset="0"/>
+              </a:rPr>
+              <a:t>create</a:t>
+            </a:r>
+            <a:r>
+              <a:rPr lang="en-US" altLang="zh-HK" sz="1400" b="0" i="0" dirty="0">
+                <a:effectLst/>
+                <a:latin typeface="Times New Roman" panose="02020603050405020304" pitchFamily="18" charset="0"/>
+                <a:cs typeface="Times New Roman" panose="02020603050405020304" pitchFamily="18" charset="0"/>
+              </a:rPr>
+              <a:t> a clear </a:t>
+            </a:r>
+            <a:r>
+              <a:rPr lang="en-US" altLang="zh-HK" sz="1400" b="0" i="0" u="sng" dirty="0">
+                <a:effectLst/>
+                <a:highlight>
+                  <a:srgbClr val="FFFF00"/>
+                </a:highlight>
+                <a:latin typeface="Times New Roman" panose="02020603050405020304" pitchFamily="18" charset="0"/>
+                <a:cs typeface="Times New Roman" panose="02020603050405020304" pitchFamily="18" charset="0"/>
+              </a:rPr>
+              <a:t>delivery</a:t>
+            </a:r>
+            <a:r>
+              <a:rPr lang="en-US" altLang="zh-HK" sz="1400" b="0" i="0" dirty="0">
+                <a:effectLst/>
+                <a:latin typeface="Times New Roman" panose="02020603050405020304" pitchFamily="18" charset="0"/>
+                <a:cs typeface="Times New Roman" panose="02020603050405020304" pitchFamily="18" charset="0"/>
+              </a:rPr>
+              <a:t> </a:t>
+            </a:r>
+            <a:r>
+              <a:rPr lang="en-US" altLang="zh-HK" sz="1400" b="0" i="0" u="sng" dirty="0">
+                <a:effectLst/>
+                <a:highlight>
+                  <a:srgbClr val="FFFF00"/>
+                </a:highlight>
+                <a:latin typeface="Times New Roman" panose="02020603050405020304" pitchFamily="18" charset="0"/>
+                <a:cs typeface="Times New Roman" panose="02020603050405020304" pitchFamily="18" charset="0"/>
+              </a:rPr>
+              <a:t>plan</a:t>
+            </a:r>
+            <a:r>
+              <a:rPr lang="en-US" altLang="zh-HK" sz="1400" b="0" i="0" dirty="0">
+                <a:effectLst/>
+                <a:latin typeface="Times New Roman" panose="02020603050405020304" pitchFamily="18" charset="0"/>
+                <a:cs typeface="Times New Roman" panose="02020603050405020304" pitchFamily="18" charset="0"/>
+              </a:rPr>
+              <a:t>, </a:t>
+            </a:r>
+            <a:r>
+              <a:rPr lang="en-US" altLang="zh-HK" sz="1400" b="0" i="0" u="sng" dirty="0">
+                <a:effectLst/>
+                <a:highlight>
+                  <a:srgbClr val="FFFF00"/>
+                </a:highlight>
+                <a:latin typeface="Times New Roman" panose="02020603050405020304" pitchFamily="18" charset="0"/>
+                <a:cs typeface="Times New Roman" panose="02020603050405020304" pitchFamily="18" charset="0"/>
+              </a:rPr>
+              <a:t>seek</a:t>
+            </a:r>
+            <a:r>
+              <a:rPr lang="en-US" altLang="zh-HK" sz="1400" b="0" i="0" dirty="0">
+                <a:effectLst/>
+                <a:latin typeface="Times New Roman" panose="02020603050405020304" pitchFamily="18" charset="0"/>
+                <a:cs typeface="Times New Roman" panose="02020603050405020304" pitchFamily="18" charset="0"/>
+              </a:rPr>
+              <a:t> budget </a:t>
+            </a:r>
+            <a:r>
+              <a:rPr lang="en-US" altLang="zh-HK" sz="1400" b="0" i="0" u="sng" dirty="0">
+                <a:effectLst/>
+                <a:highlight>
+                  <a:srgbClr val="FFFF00"/>
+                </a:highlight>
+                <a:latin typeface="Times New Roman" panose="02020603050405020304" pitchFamily="18" charset="0"/>
+                <a:cs typeface="Times New Roman" panose="02020603050405020304" pitchFamily="18" charset="0"/>
+              </a:rPr>
+              <a:t>approval</a:t>
+            </a:r>
+            <a:r>
+              <a:rPr lang="en-US" altLang="zh-HK" sz="1400" b="0" i="0" dirty="0">
+                <a:effectLst/>
+                <a:latin typeface="Times New Roman" panose="02020603050405020304" pitchFamily="18" charset="0"/>
+                <a:cs typeface="Times New Roman" panose="02020603050405020304" pitchFamily="18" charset="0"/>
+              </a:rPr>
+              <a:t>, and ultimately </a:t>
+            </a:r>
+            <a:r>
+              <a:rPr lang="en-US" altLang="zh-HK" sz="1400" b="0" i="0" u="sng" dirty="0">
+                <a:effectLst/>
+                <a:highlight>
+                  <a:srgbClr val="FFFF00"/>
+                </a:highlight>
+                <a:latin typeface="Times New Roman" panose="02020603050405020304" pitchFamily="18" charset="0"/>
+                <a:cs typeface="Times New Roman" panose="02020603050405020304" pitchFamily="18" charset="0"/>
+              </a:rPr>
+              <a:t>kickstart</a:t>
+            </a:r>
+            <a:r>
+              <a:rPr lang="en-US" altLang="zh-HK" sz="1400" b="0" i="0" dirty="0">
+                <a:effectLst/>
+                <a:latin typeface="Times New Roman" panose="02020603050405020304" pitchFamily="18" charset="0"/>
+                <a:cs typeface="Times New Roman" panose="02020603050405020304" pitchFamily="18" charset="0"/>
+              </a:rPr>
+              <a:t> the system enhancement </a:t>
+            </a:r>
+            <a:r>
+              <a:rPr lang="en-US" altLang="zh-HK" sz="1400" b="0" i="0" u="sng" dirty="0">
+                <a:effectLst/>
+                <a:highlight>
+                  <a:srgbClr val="FFFF00"/>
+                </a:highlight>
+                <a:latin typeface="Times New Roman" panose="02020603050405020304" pitchFamily="18" charset="0"/>
+                <a:cs typeface="Times New Roman" panose="02020603050405020304" pitchFamily="18" charset="0"/>
+              </a:rPr>
+              <a:t>project</a:t>
+            </a:r>
+            <a:r>
+              <a:rPr lang="en-US" altLang="zh-HK" sz="1400" b="0" i="0" dirty="0">
+                <a:effectLst/>
+                <a:latin typeface="Times New Roman" panose="02020603050405020304" pitchFamily="18" charset="0"/>
+                <a:cs typeface="Times New Roman" panose="02020603050405020304" pitchFamily="18" charset="0"/>
+              </a:rPr>
+              <a:t>.</a:t>
+            </a:r>
+            <a:endParaRPr lang="en-US" altLang="zh-TW" sz="2800" kern="100" dirty="0">
+              <a:effectLst/>
+              <a:latin typeface="Times New Roman" panose="02020603050405020304" pitchFamily="18" charset="0"/>
+              <a:ea typeface="新細明體" panose="02020500000000000000" pitchFamily="18" charset="-120"/>
+              <a:cs typeface="Arial" panose="020B0604020202020204" pitchFamily="34" charset="0"/>
+            </a:endParaRPr>
+          </a:p>
+          <a:p>
+            <a:pPr>
+              <a:lnSpc>
+                <a:spcPct val="115000"/>
+              </a:lnSpc>
+              <a:spcAft>
+                <a:spcPts val="800"/>
+              </a:spcAft>
+            </a:pPr>
+            <a:endParaRPr lang="en-US" altLang="zh-TW" sz="2800" kern="100" dirty="0">
+              <a:latin typeface="Times New Roman" panose="02020603050405020304" pitchFamily="18" charset="0"/>
+              <a:ea typeface="新細明體" panose="02020500000000000000" pitchFamily="18" charset="-120"/>
+              <a:cs typeface="Arial" panose="020B0604020202020204" pitchFamily="34" charset="0"/>
+            </a:endParaRPr>
+          </a:p>
+          <a:p>
+            <a:pPr>
+              <a:lnSpc>
+                <a:spcPct val="115000"/>
+              </a:lnSpc>
+              <a:spcAft>
+                <a:spcPts val="800"/>
+              </a:spcAft>
+            </a:pPr>
+            <a:endParaRPr lang="en-US" altLang="zh-TW" sz="2800" kern="100" dirty="0">
+              <a:effectLst/>
+              <a:latin typeface="Times New Roman" panose="02020603050405020304" pitchFamily="18" charset="0"/>
+              <a:ea typeface="新細明體" panose="02020500000000000000" pitchFamily="18" charset="-120"/>
+              <a:cs typeface="Arial" panose="020B0604020202020204" pitchFamily="34" charset="0"/>
+            </a:endParaRPr>
+          </a:p>
+        </p:txBody>
+      </p:sp>
+    </p:spTree>
+    <p:extLst>
+      <p:ext uri="{BB962C8B-B14F-4D97-AF65-F5344CB8AC3E}">
+        <p14:creationId xmlns:p14="http://schemas.microsoft.com/office/powerpoint/2010/main" val="708258283"/>
+      </p:ext>
+    </p:extLst>
+  </p:cSld>
+  <p:clrMapOvr>
+    <a:masterClrMapping/>
+  </p:clrMapOvr>
+</p:sld>
+</file>
+
+<file path=ppt/slides/slide11.xml><?xml version="1.0" encoding="utf-8"?>
+<p:sld xmlns:a="http://schemas.openxmlformats.org/drawingml/2006/main" xmlns:r="http://schemas.openxmlformats.org/officeDocument/2006/relationships" xmlns:p="http://schemas.openxmlformats.org/presentationml/2006/main">
+  <p:cSld>
+    <p:spTree>
+      <p:nvGrpSpPr>
+        <p:cNvPr id="1" name=""/>
+        <p:cNvGrpSpPr/>
+        <p:nvPr/>
+      </p:nvGrpSpPr>
+      <p:grpSpPr>
+        <a:xfrm>
+          <a:off x="0" y="0"/>
+          <a:ext cx="0" cy="0"/>
+          <a:chOff x="0" y="0"/>
+          <a:chExt cx="0" cy="0"/>
+        </a:xfrm>
+      </p:grpSpPr>
+      <p:pic>
+        <p:nvPicPr>
+          <p:cNvPr id="4" name="Picture 3" descr="木桌上筆筒內的彩色鉛筆">
+            <a:extLst>
+              <a:ext uri="{FF2B5EF4-FFF2-40B4-BE49-F238E27FC236}">
+                <a16:creationId xmlns:a16="http://schemas.microsoft.com/office/drawing/2014/main" id="{883AF07A-6859-B501-AF2F-07EF67E8BA2F}"/>
+              </a:ext>
+            </a:extLst>
+          </p:cNvPr>
+          <p:cNvPicPr>
+            <a:picLocks noChangeAspect="1"/>
+          </p:cNvPicPr>
+          <p:nvPr/>
+        </p:nvPicPr>
+        <p:blipFill rotWithShape="1">
+          <a:blip r:embed="rId2"/>
+          <a:srcRect l="54410" r="9973" b="-2"/>
+          <a:stretch/>
+        </p:blipFill>
+        <p:spPr>
+          <a:xfrm>
+            <a:off x="8532726" y="0"/>
+            <a:ext cx="3659274" cy="6857999"/>
+          </a:xfrm>
+          <a:prstGeom prst="rect">
+            <a:avLst/>
+          </a:prstGeom>
+        </p:spPr>
+      </p:pic>
+      <p:sp>
+        <p:nvSpPr>
+          <p:cNvPr id="12" name="文字方塊 11">
+            <a:extLst>
+              <a:ext uri="{FF2B5EF4-FFF2-40B4-BE49-F238E27FC236}">
+                <a16:creationId xmlns:a16="http://schemas.microsoft.com/office/drawing/2014/main" id="{53C18AA4-AFE9-A93B-84B9-036DE76DE3AD}"/>
+              </a:ext>
+            </a:extLst>
+          </p:cNvPr>
+          <p:cNvSpPr txBox="1"/>
+          <p:nvPr/>
+        </p:nvSpPr>
+        <p:spPr>
+          <a:xfrm>
+            <a:off x="0" y="18193"/>
+            <a:ext cx="8647611" cy="7246343"/>
+          </a:xfrm>
+          <a:prstGeom prst="rect">
+            <a:avLst/>
+          </a:prstGeom>
+          <a:noFill/>
+        </p:spPr>
+        <p:txBody>
+          <a:bodyPr wrap="square">
+            <a:spAutoFit/>
+          </a:bodyPr>
+          <a:lstStyle/>
+          <a:p>
+            <a:pPr>
+              <a:lnSpc>
+                <a:spcPct val="115000"/>
+              </a:lnSpc>
+              <a:spcAft>
+                <a:spcPts val="800"/>
+              </a:spcAft>
+            </a:pPr>
+            <a:r>
+              <a:rPr lang="en-US" altLang="zh-TW" sz="2400" kern="100" dirty="0">
+                <a:latin typeface="Times New Roman" panose="02020603050405020304" pitchFamily="18" charset="0"/>
+                <a:ea typeface="新細明體" panose="02020500000000000000" pitchFamily="18" charset="-120"/>
+                <a:cs typeface="Times New Roman" panose="02020603050405020304" pitchFamily="18" charset="0"/>
+              </a:rPr>
+              <a:t>Q2 </a:t>
+            </a:r>
+          </a:p>
+          <a:p>
+            <a:pPr>
+              <a:lnSpc>
+                <a:spcPct val="115000"/>
+              </a:lnSpc>
+              <a:spcAft>
+                <a:spcPts val="800"/>
+              </a:spcAft>
+            </a:pPr>
+            <a:r>
+              <a:rPr lang="en-US" altLang="zh-HK" sz="2000" b="1" dirty="0">
+                <a:latin typeface="Times New Roman" panose="02020603050405020304" pitchFamily="18" charset="0"/>
+                <a:cs typeface="Times New Roman" panose="02020603050405020304" pitchFamily="18" charset="0"/>
+              </a:rPr>
+              <a:t>Task 2 - Can you outline the steps you would take, any key factors </a:t>
+            </a:r>
+          </a:p>
+          <a:p>
+            <a:pPr>
+              <a:lnSpc>
+                <a:spcPct val="115000"/>
+              </a:lnSpc>
+              <a:spcAft>
+                <a:spcPts val="800"/>
+              </a:spcAft>
+            </a:pPr>
+            <a:r>
+              <a:rPr lang="en-US" altLang="zh-HK" sz="2000" b="1" dirty="0">
+                <a:latin typeface="Times New Roman" panose="02020603050405020304" pitchFamily="18" charset="0"/>
+                <a:cs typeface="Times New Roman" panose="02020603050405020304" pitchFamily="18" charset="0"/>
+              </a:rPr>
+              <a:t>	or actions you would take?</a:t>
+            </a:r>
+            <a:endParaRPr lang="en-US" altLang="zh-HK" sz="2000" b="1" kern="100" dirty="0">
+              <a:latin typeface="Times New Roman" panose="02020603050405020304" pitchFamily="18" charset="0"/>
+              <a:ea typeface="新細明體" panose="02020500000000000000" pitchFamily="18" charset="-120"/>
+              <a:cs typeface="Times New Roman" panose="02020603050405020304" pitchFamily="18" charset="0"/>
+            </a:endParaRPr>
+          </a:p>
+          <a:p>
+            <a:pPr lvl="2">
+              <a:lnSpc>
+                <a:spcPct val="115000"/>
+              </a:lnSpc>
+              <a:spcAft>
+                <a:spcPts val="800"/>
+              </a:spcAft>
+            </a:pPr>
+            <a:r>
+              <a:rPr lang="en-US" altLang="zh-TW" sz="2000" kern="100" dirty="0">
+                <a:latin typeface="Times New Roman" panose="02020603050405020304" pitchFamily="18" charset="0"/>
+                <a:ea typeface="新細明體" panose="02020500000000000000" pitchFamily="18" charset="-120"/>
+                <a:cs typeface="Arial" panose="020B0604020202020204" pitchFamily="34" charset="0"/>
+              </a:rPr>
+              <a:t>My full answer to question 2 task 2: </a:t>
+            </a:r>
+            <a:endParaRPr lang="en-US" altLang="zh-TW" sz="2000" kern="100" dirty="0">
+              <a:latin typeface="Times New Roman" panose="02020603050405020304" pitchFamily="18" charset="0"/>
+              <a:ea typeface="新細明體" panose="02020500000000000000" pitchFamily="18" charset="-120"/>
+              <a:cs typeface="Times New Roman" panose="02020603050405020304" pitchFamily="18" charset="0"/>
+            </a:endParaRPr>
+          </a:p>
+          <a:p>
+            <a:pPr algn="l"/>
+            <a:r>
+              <a:rPr lang="en-US" altLang="zh-HK" sz="1200" b="0" i="0" dirty="0">
+                <a:solidFill>
+                  <a:srgbClr val="374151"/>
+                </a:solidFill>
+                <a:effectLst/>
+                <a:latin typeface="Times New Roman" panose="02020603050405020304" pitchFamily="18" charset="0"/>
+                <a:cs typeface="Times New Roman" panose="02020603050405020304" pitchFamily="18" charset="0"/>
+              </a:rPr>
+              <a:t>I begin the enhancement process by </a:t>
+            </a:r>
+            <a:r>
+              <a:rPr lang="en-US" altLang="zh-HK" sz="1200" b="0" i="0" u="sng" dirty="0">
+                <a:solidFill>
+                  <a:srgbClr val="374151"/>
+                </a:solidFill>
+                <a:effectLst/>
+                <a:latin typeface="Times New Roman" panose="02020603050405020304" pitchFamily="18" charset="0"/>
+                <a:cs typeface="Times New Roman" panose="02020603050405020304" pitchFamily="18" charset="0"/>
+              </a:rPr>
+              <a:t>gathering comprehensive information </a:t>
+            </a:r>
+            <a:r>
+              <a:rPr lang="en-US" altLang="zh-HK" sz="1200" b="0" i="0" dirty="0">
+                <a:solidFill>
+                  <a:srgbClr val="374151"/>
+                </a:solidFill>
+                <a:effectLst/>
+                <a:latin typeface="Times New Roman" panose="02020603050405020304" pitchFamily="18" charset="0"/>
+                <a:cs typeface="Times New Roman" panose="02020603050405020304" pitchFamily="18" charset="0"/>
+              </a:rPr>
+              <a:t>about the platform, including performance metrics, user expectations, business workflows, and the roles involved. These information can be discovered from stakeholders, system documentation, previous projects, database records, interviews with users, and internet research.</a:t>
+            </a:r>
+          </a:p>
+          <a:p>
+            <a:pPr algn="l"/>
+            <a:endParaRPr lang="en-US" altLang="zh-HK" sz="1200" b="0" i="0" dirty="0">
+              <a:solidFill>
+                <a:srgbClr val="374151"/>
+              </a:solidFill>
+              <a:effectLst/>
+              <a:latin typeface="Times New Roman" panose="02020603050405020304" pitchFamily="18" charset="0"/>
+              <a:cs typeface="Times New Roman" panose="02020603050405020304" pitchFamily="18" charset="0"/>
+            </a:endParaRPr>
+          </a:p>
+          <a:p>
+            <a:pPr algn="l"/>
+            <a:r>
+              <a:rPr lang="en-US" altLang="zh-HK" sz="1200" b="0" i="0" dirty="0">
+                <a:solidFill>
+                  <a:srgbClr val="374151"/>
+                </a:solidFill>
+                <a:effectLst/>
+                <a:latin typeface="Times New Roman" panose="02020603050405020304" pitchFamily="18" charset="0"/>
+                <a:cs typeface="Times New Roman" panose="02020603050405020304" pitchFamily="18" charset="0"/>
+              </a:rPr>
+              <a:t>The next step involves </a:t>
+            </a:r>
+            <a:r>
+              <a:rPr lang="en-US" altLang="zh-HK" sz="1200" b="0" i="0" u="sng" dirty="0">
+                <a:solidFill>
+                  <a:srgbClr val="374151"/>
+                </a:solidFill>
+                <a:effectLst/>
+                <a:latin typeface="Times New Roman" panose="02020603050405020304" pitchFamily="18" charset="0"/>
+                <a:cs typeface="Times New Roman" panose="02020603050405020304" pitchFamily="18" charset="0"/>
+              </a:rPr>
+              <a:t>identifying performance issues </a:t>
+            </a:r>
+            <a:r>
+              <a:rPr lang="en-US" altLang="zh-HK" sz="1200" b="0" i="0" dirty="0">
+                <a:solidFill>
+                  <a:srgbClr val="374151"/>
+                </a:solidFill>
+                <a:effectLst/>
+                <a:latin typeface="Times New Roman" panose="02020603050405020304" pitchFamily="18" charset="0"/>
+                <a:cs typeface="Times New Roman" panose="02020603050405020304" pitchFamily="18" charset="0"/>
+              </a:rPr>
+              <a:t>by questioning delays and understanding the </a:t>
+            </a:r>
+            <a:r>
+              <a:rPr lang="en-US" altLang="zh-HK" sz="1200" b="0" i="0" u="sng" dirty="0">
+                <a:solidFill>
+                  <a:srgbClr val="374151"/>
+                </a:solidFill>
+                <a:effectLst/>
+                <a:latin typeface="Times New Roman" panose="02020603050405020304" pitchFamily="18" charset="0"/>
+                <a:cs typeface="Times New Roman" panose="02020603050405020304" pitchFamily="18" charset="0"/>
+              </a:rPr>
+              <a:t>differences</a:t>
+            </a:r>
+            <a:r>
+              <a:rPr lang="en-US" altLang="zh-HK" sz="1200" b="0" i="0" dirty="0">
+                <a:solidFill>
+                  <a:srgbClr val="374151"/>
+                </a:solidFill>
+                <a:effectLst/>
+                <a:latin typeface="Times New Roman" panose="02020603050405020304" pitchFamily="18" charset="0"/>
+                <a:cs typeface="Times New Roman" panose="02020603050405020304" pitchFamily="18" charset="0"/>
+              </a:rPr>
+              <a:t> between </a:t>
+            </a:r>
+            <a:r>
+              <a:rPr lang="en-US" altLang="zh-HK" sz="1200" b="0" i="0" u="sng" dirty="0">
+                <a:solidFill>
+                  <a:srgbClr val="374151"/>
+                </a:solidFill>
+                <a:effectLst/>
+                <a:latin typeface="Times New Roman" panose="02020603050405020304" pitchFamily="18" charset="0"/>
+                <a:cs typeface="Times New Roman" panose="02020603050405020304" pitchFamily="18" charset="0"/>
+              </a:rPr>
+              <a:t>'delays</a:t>
+            </a:r>
+            <a:r>
+              <a:rPr lang="en-US" altLang="zh-HK" sz="1200" b="0" i="0" dirty="0">
+                <a:solidFill>
+                  <a:srgbClr val="374151"/>
+                </a:solidFill>
+                <a:effectLst/>
+                <a:latin typeface="Times New Roman" panose="02020603050405020304" pitchFamily="18" charset="0"/>
+                <a:cs typeface="Times New Roman" panose="02020603050405020304" pitchFamily="18" charset="0"/>
+              </a:rPr>
+              <a:t>' and </a:t>
+            </a:r>
+            <a:r>
+              <a:rPr lang="en-US" altLang="zh-HK" sz="1200" b="0" i="0" u="sng" dirty="0">
+                <a:solidFill>
+                  <a:srgbClr val="374151"/>
+                </a:solidFill>
+                <a:effectLst/>
+                <a:latin typeface="Times New Roman" panose="02020603050405020304" pitchFamily="18" charset="0"/>
+                <a:cs typeface="Times New Roman" panose="02020603050405020304" pitchFamily="18" charset="0"/>
+              </a:rPr>
+              <a:t>'normal</a:t>
+            </a:r>
+            <a:r>
+              <a:rPr lang="en-US" altLang="zh-HK" sz="1200" b="0" i="0" dirty="0">
+                <a:solidFill>
+                  <a:srgbClr val="374151"/>
+                </a:solidFill>
+                <a:effectLst/>
+                <a:latin typeface="Times New Roman" panose="02020603050405020304" pitchFamily="18" charset="0"/>
+                <a:cs typeface="Times New Roman" panose="02020603050405020304" pitchFamily="18" charset="0"/>
+              </a:rPr>
+              <a:t>' in platform operations. Collaborating with project managers, product managers, and users, we </a:t>
+            </a:r>
+            <a:r>
+              <a:rPr lang="en-US" altLang="zh-HK" sz="1200" b="0" i="0" u="sng" dirty="0">
+                <a:solidFill>
+                  <a:srgbClr val="374151"/>
+                </a:solidFill>
+                <a:effectLst/>
+                <a:latin typeface="Times New Roman" panose="02020603050405020304" pitchFamily="18" charset="0"/>
+                <a:cs typeface="Times New Roman" panose="02020603050405020304" pitchFamily="18" charset="0"/>
+              </a:rPr>
+              <a:t>define the duration differences </a:t>
+            </a:r>
+            <a:r>
+              <a:rPr lang="en-US" altLang="zh-HK" sz="1200" b="0" i="0" dirty="0">
+                <a:solidFill>
+                  <a:srgbClr val="374151"/>
+                </a:solidFill>
+                <a:effectLst/>
+                <a:latin typeface="Times New Roman" panose="02020603050405020304" pitchFamily="18" charset="0"/>
+                <a:cs typeface="Times New Roman" panose="02020603050405020304" pitchFamily="18" charset="0"/>
+              </a:rPr>
+              <a:t>and </a:t>
+            </a:r>
+            <a:r>
+              <a:rPr lang="en-US" altLang="zh-HK" sz="1200" b="0" i="0" u="sng" dirty="0">
+                <a:solidFill>
+                  <a:srgbClr val="374151"/>
+                </a:solidFill>
+                <a:effectLst/>
+                <a:latin typeface="Times New Roman" panose="02020603050405020304" pitchFamily="18" charset="0"/>
+                <a:cs typeface="Times New Roman" panose="02020603050405020304" pitchFamily="18" charset="0"/>
+              </a:rPr>
+              <a:t>break down problems </a:t>
+            </a:r>
+            <a:r>
+              <a:rPr lang="en-US" altLang="zh-HK" sz="1200" b="0" i="0" dirty="0">
+                <a:solidFill>
+                  <a:srgbClr val="374151"/>
+                </a:solidFill>
+                <a:effectLst/>
+                <a:latin typeface="Times New Roman" panose="02020603050405020304" pitchFamily="18" charset="0"/>
+                <a:cs typeface="Times New Roman" panose="02020603050405020304" pitchFamily="18" charset="0"/>
+              </a:rPr>
+              <a:t>into minimal unit processes. Through this analysis, we estimate durations, compare them with historical data, and </a:t>
+            </a:r>
+            <a:r>
+              <a:rPr lang="en-US" altLang="zh-HK" sz="1200" b="0" i="0" u="sng" dirty="0">
+                <a:solidFill>
+                  <a:srgbClr val="374151"/>
+                </a:solidFill>
+                <a:effectLst/>
+                <a:latin typeface="Times New Roman" panose="02020603050405020304" pitchFamily="18" charset="0"/>
+                <a:cs typeface="Times New Roman" panose="02020603050405020304" pitchFamily="18" charset="0"/>
+              </a:rPr>
+              <a:t>determine</a:t>
+            </a:r>
+            <a:r>
+              <a:rPr lang="en-US" altLang="zh-HK" sz="1200" b="0" i="0" dirty="0">
+                <a:solidFill>
+                  <a:srgbClr val="374151"/>
+                </a:solidFill>
+                <a:effectLst/>
+                <a:latin typeface="Times New Roman" panose="02020603050405020304" pitchFamily="18" charset="0"/>
+                <a:cs typeface="Times New Roman" panose="02020603050405020304" pitchFamily="18" charset="0"/>
+              </a:rPr>
+              <a:t> whether the </a:t>
+            </a:r>
+            <a:r>
+              <a:rPr lang="en-US" altLang="zh-HK" sz="1200" b="0" i="0" u="sng" dirty="0">
+                <a:solidFill>
+                  <a:srgbClr val="374151"/>
+                </a:solidFill>
+                <a:effectLst/>
+                <a:latin typeface="Times New Roman" panose="02020603050405020304" pitchFamily="18" charset="0"/>
+                <a:cs typeface="Times New Roman" panose="02020603050405020304" pitchFamily="18" charset="0"/>
+              </a:rPr>
+              <a:t>issues</a:t>
+            </a:r>
+            <a:r>
+              <a:rPr lang="en-US" altLang="zh-HK" sz="1200" b="0" i="0" dirty="0">
+                <a:solidFill>
+                  <a:srgbClr val="374151"/>
+                </a:solidFill>
+                <a:effectLst/>
+                <a:latin typeface="Times New Roman" panose="02020603050405020304" pitchFamily="18" charset="0"/>
+                <a:cs typeface="Times New Roman" panose="02020603050405020304" pitchFamily="18" charset="0"/>
+              </a:rPr>
+              <a:t> stem from </a:t>
+            </a:r>
+            <a:r>
+              <a:rPr lang="en-US" altLang="zh-HK" sz="1200" b="0" i="0" u="sng" dirty="0">
+                <a:solidFill>
+                  <a:srgbClr val="374151"/>
+                </a:solidFill>
+                <a:effectLst/>
+                <a:latin typeface="Times New Roman" panose="02020603050405020304" pitchFamily="18" charset="0"/>
+                <a:cs typeface="Times New Roman" panose="02020603050405020304" pitchFamily="18" charset="0"/>
+              </a:rPr>
+              <a:t>manual</a:t>
+            </a:r>
+            <a:r>
+              <a:rPr lang="en-US" altLang="zh-HK" sz="1200" b="0" i="0" dirty="0">
+                <a:solidFill>
+                  <a:srgbClr val="374151"/>
+                </a:solidFill>
+                <a:effectLst/>
+                <a:latin typeface="Times New Roman" panose="02020603050405020304" pitchFamily="18" charset="0"/>
+                <a:cs typeface="Times New Roman" panose="02020603050405020304" pitchFamily="18" charset="0"/>
+              </a:rPr>
+              <a:t> or </a:t>
+            </a:r>
+            <a:r>
+              <a:rPr lang="en-US" altLang="zh-HK" sz="1200" b="0" i="0" u="sng" dirty="0">
+                <a:solidFill>
+                  <a:srgbClr val="374151"/>
+                </a:solidFill>
+                <a:effectLst/>
+                <a:latin typeface="Times New Roman" panose="02020603050405020304" pitchFamily="18" charset="0"/>
+                <a:cs typeface="Times New Roman" panose="02020603050405020304" pitchFamily="18" charset="0"/>
+              </a:rPr>
+              <a:t>system</a:t>
+            </a:r>
+            <a:r>
+              <a:rPr lang="en-US" altLang="zh-HK" sz="1200" b="0" i="0" dirty="0">
+                <a:solidFill>
+                  <a:srgbClr val="374151"/>
+                </a:solidFill>
+                <a:effectLst/>
+                <a:latin typeface="Times New Roman" panose="02020603050405020304" pitchFamily="18" charset="0"/>
+                <a:cs typeface="Times New Roman" panose="02020603050405020304" pitchFamily="18" charset="0"/>
+              </a:rPr>
+              <a:t> processes. </a:t>
+            </a:r>
+            <a:r>
+              <a:rPr lang="en-US" altLang="zh-HK" sz="1200" b="0" i="0" u="sng" dirty="0">
+                <a:solidFill>
+                  <a:srgbClr val="374151"/>
+                </a:solidFill>
+                <a:effectLst/>
+                <a:latin typeface="Times New Roman" panose="02020603050405020304" pitchFamily="18" charset="0"/>
+                <a:cs typeface="Times New Roman" panose="02020603050405020304" pitchFamily="18" charset="0"/>
+              </a:rPr>
+              <a:t>Solutions</a:t>
+            </a:r>
+            <a:r>
+              <a:rPr lang="en-US" altLang="zh-HK" sz="1200" b="0" i="0" dirty="0">
+                <a:solidFill>
+                  <a:srgbClr val="374151"/>
+                </a:solidFill>
+                <a:effectLst/>
+                <a:latin typeface="Times New Roman" panose="02020603050405020304" pitchFamily="18" charset="0"/>
+                <a:cs typeface="Times New Roman" panose="02020603050405020304" pitchFamily="18" charset="0"/>
+              </a:rPr>
+              <a:t> are then </a:t>
+            </a:r>
+            <a:r>
+              <a:rPr lang="en-US" altLang="zh-HK" sz="1200" b="0" i="0" u="sng" dirty="0">
+                <a:solidFill>
+                  <a:srgbClr val="374151"/>
+                </a:solidFill>
+                <a:effectLst/>
+                <a:latin typeface="Times New Roman" panose="02020603050405020304" pitchFamily="18" charset="0"/>
+                <a:cs typeface="Times New Roman" panose="02020603050405020304" pitchFamily="18" charset="0"/>
+              </a:rPr>
+              <a:t>crafted</a:t>
+            </a:r>
+            <a:r>
+              <a:rPr lang="en-US" altLang="zh-HK" sz="1200" b="0" i="0" dirty="0">
+                <a:solidFill>
+                  <a:srgbClr val="374151"/>
+                </a:solidFill>
+                <a:effectLst/>
+                <a:latin typeface="Times New Roman" panose="02020603050405020304" pitchFamily="18" charset="0"/>
+                <a:cs typeface="Times New Roman" panose="02020603050405020304" pitchFamily="18" charset="0"/>
+              </a:rPr>
+              <a:t>, such as organizing platform training sessions for manual processes or collaborating with technical leads to </a:t>
+            </a:r>
+            <a:r>
+              <a:rPr lang="en-US" altLang="zh-HK" sz="1200" b="0" i="0" u="sng" dirty="0">
+                <a:solidFill>
+                  <a:srgbClr val="374151"/>
+                </a:solidFill>
+                <a:effectLst/>
+                <a:latin typeface="Times New Roman" panose="02020603050405020304" pitchFamily="18" charset="0"/>
+                <a:cs typeface="Times New Roman" panose="02020603050405020304" pitchFamily="18" charset="0"/>
+              </a:rPr>
+              <a:t>identify</a:t>
+            </a:r>
+            <a:r>
+              <a:rPr lang="en-US" altLang="zh-HK" sz="1200" b="0" i="0" dirty="0">
+                <a:solidFill>
+                  <a:srgbClr val="374151"/>
+                </a:solidFill>
+                <a:effectLst/>
+                <a:latin typeface="Times New Roman" panose="02020603050405020304" pitchFamily="18" charset="0"/>
+                <a:cs typeface="Times New Roman" panose="02020603050405020304" pitchFamily="18" charset="0"/>
+              </a:rPr>
+              <a:t> tools or </a:t>
+            </a:r>
+            <a:r>
+              <a:rPr lang="en-US" altLang="zh-HK" sz="1200" b="0" i="0" u="sng" dirty="0">
+                <a:solidFill>
+                  <a:srgbClr val="374151"/>
+                </a:solidFill>
+                <a:effectLst/>
+                <a:latin typeface="Times New Roman" panose="02020603050405020304" pitchFamily="18" charset="0"/>
+                <a:cs typeface="Times New Roman" panose="02020603050405020304" pitchFamily="18" charset="0"/>
+              </a:rPr>
+              <a:t>technologies</a:t>
+            </a:r>
+            <a:r>
+              <a:rPr lang="en-US" altLang="zh-HK" sz="1200" b="0" i="0" dirty="0">
+                <a:solidFill>
+                  <a:srgbClr val="374151"/>
+                </a:solidFill>
+                <a:effectLst/>
+                <a:latin typeface="Times New Roman" panose="02020603050405020304" pitchFamily="18" charset="0"/>
+                <a:cs typeface="Times New Roman" panose="02020603050405020304" pitchFamily="18" charset="0"/>
+              </a:rPr>
+              <a:t> for system enhancement. </a:t>
+            </a:r>
+            <a:r>
+              <a:rPr lang="en-US" altLang="zh-HK" sz="1200" b="0" i="0" u="sng" dirty="0">
+                <a:solidFill>
+                  <a:srgbClr val="374151"/>
+                </a:solidFill>
+                <a:effectLst/>
+                <a:latin typeface="Times New Roman" panose="02020603050405020304" pitchFamily="18" charset="0"/>
+                <a:cs typeface="Times New Roman" panose="02020603050405020304" pitchFamily="18" charset="0"/>
+              </a:rPr>
+              <a:t>Costs</a:t>
+            </a:r>
+            <a:r>
+              <a:rPr lang="en-US" altLang="zh-HK" sz="1200" b="0" i="0" dirty="0">
+                <a:solidFill>
+                  <a:srgbClr val="374151"/>
+                </a:solidFill>
+                <a:effectLst/>
+                <a:latin typeface="Times New Roman" panose="02020603050405020304" pitchFamily="18" charset="0"/>
+                <a:cs typeface="Times New Roman" panose="02020603050405020304" pitchFamily="18" charset="0"/>
+              </a:rPr>
+              <a:t>, </a:t>
+            </a:r>
+            <a:r>
+              <a:rPr lang="en-US" altLang="zh-HK" sz="1200" b="0" i="0" u="sng" dirty="0">
+                <a:solidFill>
+                  <a:srgbClr val="374151"/>
+                </a:solidFill>
+                <a:effectLst/>
+                <a:latin typeface="Times New Roman" panose="02020603050405020304" pitchFamily="18" charset="0"/>
+                <a:cs typeface="Times New Roman" panose="02020603050405020304" pitchFamily="18" charset="0"/>
+              </a:rPr>
+              <a:t>manpower</a:t>
+            </a:r>
+            <a:r>
+              <a:rPr lang="en-US" altLang="zh-HK" sz="1200" b="0" i="0" dirty="0">
+                <a:solidFill>
+                  <a:srgbClr val="374151"/>
+                </a:solidFill>
+                <a:effectLst/>
+                <a:latin typeface="Times New Roman" panose="02020603050405020304" pitchFamily="18" charset="0"/>
+                <a:cs typeface="Times New Roman" panose="02020603050405020304" pitchFamily="18" charset="0"/>
+              </a:rPr>
+              <a:t>, and </a:t>
+            </a:r>
+            <a:r>
+              <a:rPr lang="en-US" altLang="zh-HK" sz="1200" b="0" i="0" u="sng" dirty="0">
+                <a:solidFill>
+                  <a:srgbClr val="374151"/>
+                </a:solidFill>
+                <a:effectLst/>
+                <a:latin typeface="Times New Roman" panose="02020603050405020304" pitchFamily="18" charset="0"/>
+                <a:cs typeface="Times New Roman" panose="02020603050405020304" pitchFamily="18" charset="0"/>
+              </a:rPr>
+              <a:t>time</a:t>
+            </a:r>
+            <a:r>
+              <a:rPr lang="en-US" altLang="zh-HK" sz="1200" b="0" i="0" dirty="0">
+                <a:solidFill>
+                  <a:srgbClr val="374151"/>
+                </a:solidFill>
+                <a:effectLst/>
+                <a:latin typeface="Times New Roman" panose="02020603050405020304" pitchFamily="18" charset="0"/>
+                <a:cs typeface="Times New Roman" panose="02020603050405020304" pitchFamily="18" charset="0"/>
+              </a:rPr>
+              <a:t> are </a:t>
+            </a:r>
+            <a:r>
+              <a:rPr lang="en-US" altLang="zh-HK" sz="1200" b="0" i="0" u="sng" dirty="0">
+                <a:solidFill>
+                  <a:srgbClr val="374151"/>
+                </a:solidFill>
+                <a:effectLst/>
+                <a:latin typeface="Times New Roman" panose="02020603050405020304" pitchFamily="18" charset="0"/>
+                <a:cs typeface="Times New Roman" panose="02020603050405020304" pitchFamily="18" charset="0"/>
+              </a:rPr>
+              <a:t>evaluated</a:t>
+            </a:r>
+            <a:r>
+              <a:rPr lang="en-US" altLang="zh-HK" sz="1200" b="0" i="0" dirty="0">
+                <a:solidFill>
+                  <a:srgbClr val="374151"/>
+                </a:solidFill>
+                <a:effectLst/>
+                <a:latin typeface="Times New Roman" panose="02020603050405020304" pitchFamily="18" charset="0"/>
+                <a:cs typeface="Times New Roman" panose="02020603050405020304" pitchFamily="18" charset="0"/>
+              </a:rPr>
+              <a:t> with project and product managers, considering various </a:t>
+            </a:r>
+            <a:r>
+              <a:rPr lang="en-US" altLang="zh-HK" sz="1200" b="0" i="0" u="sng" dirty="0">
+                <a:solidFill>
+                  <a:srgbClr val="374151"/>
+                </a:solidFill>
+                <a:effectLst/>
+                <a:latin typeface="Times New Roman" panose="02020603050405020304" pitchFamily="18" charset="0"/>
+                <a:cs typeface="Times New Roman" panose="02020603050405020304" pitchFamily="18" charset="0"/>
+              </a:rPr>
+              <a:t>options</a:t>
+            </a:r>
+            <a:r>
+              <a:rPr lang="en-US" altLang="zh-HK" sz="1200" b="0" i="0" dirty="0">
+                <a:solidFill>
+                  <a:srgbClr val="374151"/>
+                </a:solidFill>
+                <a:effectLst/>
+                <a:latin typeface="Times New Roman" panose="02020603050405020304" pitchFamily="18" charset="0"/>
+                <a:cs typeface="Times New Roman" panose="02020603050405020304" pitchFamily="18" charset="0"/>
+              </a:rPr>
+              <a:t> and their </a:t>
+            </a:r>
+            <a:r>
+              <a:rPr lang="en-US" altLang="zh-HK" sz="1200" b="0" i="0" u="sng" dirty="0">
+                <a:solidFill>
+                  <a:srgbClr val="374151"/>
+                </a:solidFill>
+                <a:effectLst/>
+                <a:latin typeface="Times New Roman" panose="02020603050405020304" pitchFamily="18" charset="0"/>
+                <a:cs typeface="Times New Roman" panose="02020603050405020304" pitchFamily="18" charset="0"/>
+              </a:rPr>
+              <a:t>pros</a:t>
+            </a:r>
+            <a:r>
+              <a:rPr lang="en-US" altLang="zh-HK" sz="1200" b="0" i="0" dirty="0">
+                <a:solidFill>
+                  <a:srgbClr val="374151"/>
+                </a:solidFill>
+                <a:effectLst/>
+                <a:latin typeface="Times New Roman" panose="02020603050405020304" pitchFamily="18" charset="0"/>
+                <a:cs typeface="Times New Roman" panose="02020603050405020304" pitchFamily="18" charset="0"/>
+              </a:rPr>
+              <a:t> and </a:t>
+            </a:r>
+            <a:r>
+              <a:rPr lang="en-US" altLang="zh-HK" sz="1200" b="0" i="0" u="sng" dirty="0">
+                <a:solidFill>
+                  <a:srgbClr val="374151"/>
+                </a:solidFill>
+                <a:effectLst/>
+                <a:latin typeface="Times New Roman" panose="02020603050405020304" pitchFamily="18" charset="0"/>
+                <a:cs typeface="Times New Roman" panose="02020603050405020304" pitchFamily="18" charset="0"/>
+              </a:rPr>
+              <a:t>cons</a:t>
+            </a:r>
+            <a:r>
+              <a:rPr lang="en-US" altLang="zh-HK" sz="1200" b="0" i="0" dirty="0">
+                <a:solidFill>
+                  <a:srgbClr val="374151"/>
+                </a:solidFill>
+                <a:effectLst/>
+                <a:latin typeface="Times New Roman" panose="02020603050405020304" pitchFamily="18" charset="0"/>
+                <a:cs typeface="Times New Roman" panose="02020603050405020304" pitchFamily="18" charset="0"/>
+              </a:rPr>
+              <a:t>.</a:t>
+            </a:r>
+          </a:p>
+          <a:p>
+            <a:pPr algn="l"/>
+            <a:r>
+              <a:rPr lang="en-US" altLang="zh-HK" sz="1200" b="0" i="0" dirty="0">
+                <a:solidFill>
+                  <a:srgbClr val="374151"/>
+                </a:solidFill>
+                <a:effectLst/>
+                <a:latin typeface="Times New Roman" panose="02020603050405020304" pitchFamily="18" charset="0"/>
+                <a:cs typeface="Times New Roman" panose="02020603050405020304" pitchFamily="18" charset="0"/>
+              </a:rPr>
+              <a:t>Once the </a:t>
+            </a:r>
+            <a:r>
+              <a:rPr lang="en-US" altLang="zh-HK" sz="1200" b="0" i="0" u="sng" dirty="0">
+                <a:solidFill>
+                  <a:srgbClr val="374151"/>
+                </a:solidFill>
+                <a:effectLst/>
+                <a:latin typeface="Times New Roman" panose="02020603050405020304" pitchFamily="18" charset="0"/>
+                <a:cs typeface="Times New Roman" panose="02020603050405020304" pitchFamily="18" charset="0"/>
+              </a:rPr>
+              <a:t>solutions</a:t>
+            </a:r>
+            <a:r>
+              <a:rPr lang="en-US" altLang="zh-HK" sz="1200" b="0" i="0" dirty="0">
+                <a:solidFill>
+                  <a:srgbClr val="374151"/>
+                </a:solidFill>
+                <a:effectLst/>
+                <a:latin typeface="Times New Roman" panose="02020603050405020304" pitchFamily="18" charset="0"/>
+                <a:cs typeface="Times New Roman" panose="02020603050405020304" pitchFamily="18" charset="0"/>
+              </a:rPr>
+              <a:t> are </a:t>
+            </a:r>
+            <a:r>
+              <a:rPr lang="en-US" altLang="zh-HK" sz="1200" b="0" i="0" u="sng" dirty="0">
+                <a:solidFill>
+                  <a:srgbClr val="374151"/>
+                </a:solidFill>
+                <a:effectLst/>
+                <a:latin typeface="Times New Roman" panose="02020603050405020304" pitchFamily="18" charset="0"/>
+                <a:cs typeface="Times New Roman" panose="02020603050405020304" pitchFamily="18" charset="0"/>
+              </a:rPr>
+              <a:t>agreed</a:t>
+            </a:r>
+            <a:r>
+              <a:rPr lang="en-US" altLang="zh-HK" sz="1200" b="0" i="0" dirty="0">
+                <a:solidFill>
+                  <a:srgbClr val="374151"/>
+                </a:solidFill>
+                <a:effectLst/>
+                <a:latin typeface="Times New Roman" panose="02020603050405020304" pitchFamily="18" charset="0"/>
+                <a:cs typeface="Times New Roman" panose="02020603050405020304" pitchFamily="18" charset="0"/>
+              </a:rPr>
+              <a:t> upon, the </a:t>
+            </a:r>
+            <a:r>
+              <a:rPr lang="en-US" altLang="zh-HK" sz="1200" b="0" i="0" u="sng" dirty="0">
+                <a:solidFill>
+                  <a:srgbClr val="374151"/>
+                </a:solidFill>
+                <a:effectLst/>
+                <a:latin typeface="Times New Roman" panose="02020603050405020304" pitchFamily="18" charset="0"/>
+                <a:cs typeface="Times New Roman" panose="02020603050405020304" pitchFamily="18" charset="0"/>
+              </a:rPr>
+              <a:t>project</a:t>
+            </a:r>
+            <a:r>
+              <a:rPr lang="en-US" altLang="zh-HK" sz="1200" b="0" i="0" dirty="0">
+                <a:solidFill>
+                  <a:srgbClr val="374151"/>
+                </a:solidFill>
+                <a:effectLst/>
+                <a:latin typeface="Times New Roman" panose="02020603050405020304" pitchFamily="18" charset="0"/>
+                <a:cs typeface="Times New Roman" panose="02020603050405020304" pitchFamily="18" charset="0"/>
+              </a:rPr>
+              <a:t> is </a:t>
+            </a:r>
+            <a:r>
+              <a:rPr lang="en-US" altLang="zh-HK" sz="1200" b="0" i="0" u="sng" dirty="0">
+                <a:solidFill>
+                  <a:srgbClr val="374151"/>
+                </a:solidFill>
+                <a:effectLst/>
+                <a:latin typeface="Times New Roman" panose="02020603050405020304" pitchFamily="18" charset="0"/>
+                <a:cs typeface="Times New Roman" panose="02020603050405020304" pitchFamily="18" charset="0"/>
+              </a:rPr>
+              <a:t>initiated</a:t>
+            </a:r>
+            <a:r>
+              <a:rPr lang="en-US" altLang="zh-HK" sz="1200" b="0" i="0" dirty="0">
+                <a:solidFill>
+                  <a:srgbClr val="374151"/>
+                </a:solidFill>
+                <a:effectLst/>
+                <a:latin typeface="Times New Roman" panose="02020603050405020304" pitchFamily="18" charset="0"/>
+                <a:cs typeface="Times New Roman" panose="02020603050405020304" pitchFamily="18" charset="0"/>
+              </a:rPr>
+              <a:t>. (One possible solution is implementing Optical Character Recognition(OCR) technology into the business process. This finding is inspired by market research.) I </a:t>
+            </a:r>
+            <a:r>
+              <a:rPr lang="en-US" altLang="zh-HK" sz="1200" b="0" i="0" u="sng" dirty="0">
+                <a:solidFill>
+                  <a:srgbClr val="374151"/>
+                </a:solidFill>
+                <a:effectLst/>
+                <a:latin typeface="Times New Roman" panose="02020603050405020304" pitchFamily="18" charset="0"/>
+                <a:cs typeface="Times New Roman" panose="02020603050405020304" pitchFamily="18" charset="0"/>
+              </a:rPr>
+              <a:t>present</a:t>
+            </a:r>
+            <a:r>
+              <a:rPr lang="en-US" altLang="zh-HK" sz="1200" b="0" i="0" dirty="0">
+                <a:solidFill>
+                  <a:srgbClr val="374151"/>
+                </a:solidFill>
+                <a:effectLst/>
+                <a:latin typeface="Times New Roman" panose="02020603050405020304" pitchFamily="18" charset="0"/>
+                <a:cs typeface="Times New Roman" panose="02020603050405020304" pitchFamily="18" charset="0"/>
+              </a:rPr>
+              <a:t> the possible </a:t>
+            </a:r>
+            <a:r>
+              <a:rPr lang="en-US" altLang="zh-HK" sz="1200" b="0" i="0" u="sng" dirty="0">
+                <a:solidFill>
+                  <a:srgbClr val="374151"/>
+                </a:solidFill>
+                <a:effectLst/>
+                <a:latin typeface="Times New Roman" panose="02020603050405020304" pitchFamily="18" charset="0"/>
+                <a:cs typeface="Times New Roman" panose="02020603050405020304" pitchFamily="18" charset="0"/>
+              </a:rPr>
+              <a:t>options</a:t>
+            </a:r>
+            <a:r>
+              <a:rPr lang="en-US" altLang="zh-HK" sz="1200" b="0" i="0" dirty="0">
+                <a:solidFill>
+                  <a:srgbClr val="374151"/>
+                </a:solidFill>
+                <a:effectLst/>
+                <a:latin typeface="Times New Roman" panose="02020603050405020304" pitchFamily="18" charset="0"/>
+                <a:cs typeface="Times New Roman" panose="02020603050405020304" pitchFamily="18" charset="0"/>
+              </a:rPr>
+              <a:t> to stakeholders, ensuring </a:t>
+            </a:r>
+            <a:r>
+              <a:rPr lang="en-US" altLang="zh-HK" sz="1200" b="0" i="0" u="sng" dirty="0">
+                <a:solidFill>
+                  <a:srgbClr val="374151"/>
+                </a:solidFill>
+                <a:effectLst/>
+                <a:latin typeface="Times New Roman" panose="02020603050405020304" pitchFamily="18" charset="0"/>
+                <a:cs typeface="Times New Roman" panose="02020603050405020304" pitchFamily="18" charset="0"/>
+              </a:rPr>
+              <a:t>mutual</a:t>
+            </a:r>
+            <a:r>
+              <a:rPr lang="en-US" altLang="zh-HK" sz="1200" b="0" i="0" dirty="0">
+                <a:solidFill>
+                  <a:srgbClr val="374151"/>
+                </a:solidFill>
+                <a:effectLst/>
+                <a:latin typeface="Times New Roman" panose="02020603050405020304" pitchFamily="18" charset="0"/>
+                <a:cs typeface="Times New Roman" panose="02020603050405020304" pitchFamily="18" charset="0"/>
+              </a:rPr>
+              <a:t> </a:t>
+            </a:r>
+            <a:r>
+              <a:rPr lang="en-US" altLang="zh-HK" sz="1200" b="0" i="0" u="sng" dirty="0">
+                <a:solidFill>
+                  <a:srgbClr val="374151"/>
+                </a:solidFill>
+                <a:effectLst/>
+                <a:latin typeface="Times New Roman" panose="02020603050405020304" pitchFamily="18" charset="0"/>
+                <a:cs typeface="Times New Roman" panose="02020603050405020304" pitchFamily="18" charset="0"/>
+              </a:rPr>
+              <a:t>consent</a:t>
+            </a:r>
+            <a:r>
+              <a:rPr lang="en-US" altLang="zh-HK" sz="1200" b="0" i="0" dirty="0">
+                <a:solidFill>
+                  <a:srgbClr val="374151"/>
+                </a:solidFill>
+                <a:effectLst/>
+                <a:latin typeface="Times New Roman" panose="02020603050405020304" pitchFamily="18" charset="0"/>
+                <a:cs typeface="Times New Roman" panose="02020603050405020304" pitchFamily="18" charset="0"/>
+              </a:rPr>
+              <a:t> on the project's direction, budget, and timeline. The project is kicked off with detailed </a:t>
+            </a:r>
+            <a:r>
+              <a:rPr lang="en-US" altLang="zh-HK" sz="1200" b="0" i="0" u="sng" dirty="0">
+                <a:solidFill>
+                  <a:srgbClr val="374151"/>
+                </a:solidFill>
+                <a:effectLst/>
+                <a:latin typeface="Times New Roman" panose="02020603050405020304" pitchFamily="18" charset="0"/>
+                <a:cs typeface="Times New Roman" panose="02020603050405020304" pitchFamily="18" charset="0"/>
+              </a:rPr>
+              <a:t>documentation</a:t>
+            </a:r>
+            <a:r>
+              <a:rPr lang="en-US" altLang="zh-HK" sz="1200" b="0" i="0" dirty="0">
+                <a:solidFill>
+                  <a:srgbClr val="374151"/>
+                </a:solidFill>
+                <a:effectLst/>
+                <a:latin typeface="Times New Roman" panose="02020603050405020304" pitchFamily="18" charset="0"/>
+                <a:cs typeface="Times New Roman" panose="02020603050405020304" pitchFamily="18" charset="0"/>
+              </a:rPr>
+              <a:t>, collaboration with the technical team to </a:t>
+            </a:r>
+            <a:r>
+              <a:rPr lang="en-US" altLang="zh-HK" sz="1200" b="0" i="0" u="sng" dirty="0">
+                <a:solidFill>
+                  <a:srgbClr val="374151"/>
+                </a:solidFill>
+                <a:effectLst/>
+                <a:latin typeface="Times New Roman" panose="02020603050405020304" pitchFamily="18" charset="0"/>
+                <a:cs typeface="Times New Roman" panose="02020603050405020304" pitchFamily="18" charset="0"/>
+              </a:rPr>
+              <a:t>ensure</a:t>
+            </a:r>
+            <a:r>
+              <a:rPr lang="en-US" altLang="zh-HK" sz="1200" b="0" i="0" dirty="0">
+                <a:solidFill>
+                  <a:srgbClr val="374151"/>
+                </a:solidFill>
+                <a:effectLst/>
+                <a:latin typeface="Times New Roman" panose="02020603050405020304" pitchFamily="18" charset="0"/>
+                <a:cs typeface="Times New Roman" panose="02020603050405020304" pitchFamily="18" charset="0"/>
+              </a:rPr>
+              <a:t> quality </a:t>
+            </a:r>
+            <a:r>
+              <a:rPr lang="en-US" altLang="zh-HK" sz="1200" b="0" i="0" u="sng" dirty="0">
+                <a:solidFill>
+                  <a:srgbClr val="374151"/>
+                </a:solidFill>
+                <a:effectLst/>
+                <a:latin typeface="Times New Roman" panose="02020603050405020304" pitchFamily="18" charset="0"/>
+                <a:cs typeface="Times New Roman" panose="02020603050405020304" pitchFamily="18" charset="0"/>
+              </a:rPr>
+              <a:t>deliverables</a:t>
+            </a:r>
+            <a:r>
+              <a:rPr lang="en-US" altLang="zh-HK" sz="1200" b="0" i="0" dirty="0">
+                <a:solidFill>
+                  <a:srgbClr val="374151"/>
+                </a:solidFill>
+                <a:effectLst/>
+                <a:latin typeface="Times New Roman" panose="02020603050405020304" pitchFamily="18" charset="0"/>
+                <a:cs typeface="Times New Roman" panose="02020603050405020304" pitchFamily="18" charset="0"/>
+              </a:rPr>
+              <a:t>, and </a:t>
+            </a:r>
+            <a:r>
+              <a:rPr lang="en-US" altLang="zh-HK" sz="1200" b="0" i="0" u="sng" dirty="0">
+                <a:solidFill>
+                  <a:srgbClr val="374151"/>
+                </a:solidFill>
+                <a:effectLst/>
+                <a:latin typeface="Times New Roman" panose="02020603050405020304" pitchFamily="18" charset="0"/>
+                <a:cs typeface="Times New Roman" panose="02020603050405020304" pitchFamily="18" charset="0"/>
+              </a:rPr>
+              <a:t>planning</a:t>
+            </a:r>
+            <a:r>
+              <a:rPr lang="en-US" altLang="zh-HK" sz="1200" b="0" i="0" dirty="0">
+                <a:solidFill>
+                  <a:srgbClr val="374151"/>
+                </a:solidFill>
+                <a:effectLst/>
+                <a:latin typeface="Times New Roman" panose="02020603050405020304" pitchFamily="18" charset="0"/>
+                <a:cs typeface="Times New Roman" panose="02020603050405020304" pitchFamily="18" charset="0"/>
+              </a:rPr>
+              <a:t> with the project manager for </a:t>
+            </a:r>
+            <a:r>
+              <a:rPr lang="en-US" altLang="zh-HK" sz="1200" b="0" i="0" u="sng" dirty="0">
+                <a:solidFill>
+                  <a:srgbClr val="374151"/>
+                </a:solidFill>
+                <a:effectLst/>
+                <a:latin typeface="Times New Roman" panose="02020603050405020304" pitchFamily="18" charset="0"/>
+                <a:cs typeface="Times New Roman" panose="02020603050405020304" pitchFamily="18" charset="0"/>
+              </a:rPr>
+              <a:t>resources</a:t>
+            </a:r>
+            <a:r>
+              <a:rPr lang="en-US" altLang="zh-HK" sz="1200" b="0" i="0" dirty="0">
+                <a:solidFill>
+                  <a:srgbClr val="374151"/>
+                </a:solidFill>
+                <a:effectLst/>
+                <a:latin typeface="Times New Roman" panose="02020603050405020304" pitchFamily="18" charset="0"/>
+                <a:cs typeface="Times New Roman" panose="02020603050405020304" pitchFamily="18" charset="0"/>
+              </a:rPr>
+              <a:t>, testing, and launch. Throughout the project, I </a:t>
+            </a:r>
+            <a:r>
+              <a:rPr lang="en-US" altLang="zh-HK" sz="1200" b="0" i="0" u="sng" dirty="0">
+                <a:solidFill>
+                  <a:srgbClr val="374151"/>
+                </a:solidFill>
+                <a:effectLst/>
+                <a:latin typeface="Times New Roman" panose="02020603050405020304" pitchFamily="18" charset="0"/>
+                <a:cs typeface="Times New Roman" panose="02020603050405020304" pitchFamily="18" charset="0"/>
+              </a:rPr>
+              <a:t>prioritize</a:t>
+            </a:r>
+            <a:r>
+              <a:rPr lang="en-US" altLang="zh-HK" sz="1200" b="0" i="0" dirty="0">
+                <a:solidFill>
+                  <a:srgbClr val="374151"/>
+                </a:solidFill>
+                <a:effectLst/>
+                <a:latin typeface="Times New Roman" panose="02020603050405020304" pitchFamily="18" charset="0"/>
+                <a:cs typeface="Times New Roman" panose="02020603050405020304" pitchFamily="18" charset="0"/>
+              </a:rPr>
+              <a:t> minimizing business effects on users during system </a:t>
+            </a:r>
+            <a:r>
+              <a:rPr lang="en-US" altLang="zh-HK" sz="1200" b="0" i="0" u="sng" dirty="0">
+                <a:solidFill>
+                  <a:srgbClr val="374151"/>
+                </a:solidFill>
+                <a:effectLst/>
+                <a:latin typeface="Times New Roman" panose="02020603050405020304" pitchFamily="18" charset="0"/>
+                <a:cs typeface="Times New Roman" panose="02020603050405020304" pitchFamily="18" charset="0"/>
+              </a:rPr>
+              <a:t>deployment</a:t>
+            </a:r>
+            <a:r>
+              <a:rPr lang="en-US" altLang="zh-HK" sz="1200" b="0" i="0" dirty="0">
+                <a:solidFill>
+                  <a:srgbClr val="374151"/>
+                </a:solidFill>
+                <a:effectLst/>
+                <a:latin typeface="Times New Roman" panose="02020603050405020304" pitchFamily="18" charset="0"/>
+                <a:cs typeface="Times New Roman" panose="02020603050405020304" pitchFamily="18" charset="0"/>
+              </a:rPr>
+              <a:t> and </a:t>
+            </a:r>
+            <a:r>
+              <a:rPr lang="en-US" altLang="zh-HK" sz="1200" b="0" i="0" u="sng" dirty="0">
+                <a:solidFill>
+                  <a:srgbClr val="374151"/>
+                </a:solidFill>
+                <a:effectLst/>
+                <a:latin typeface="Times New Roman" panose="02020603050405020304" pitchFamily="18" charset="0"/>
+                <a:cs typeface="Times New Roman" panose="02020603050405020304" pitchFamily="18" charset="0"/>
+              </a:rPr>
+              <a:t>maintain</a:t>
+            </a:r>
+            <a:r>
+              <a:rPr lang="en-US" altLang="zh-HK" sz="1200" b="0" i="0" dirty="0">
+                <a:solidFill>
+                  <a:srgbClr val="374151"/>
+                </a:solidFill>
+                <a:effectLst/>
+                <a:latin typeface="Times New Roman" panose="02020603050405020304" pitchFamily="18" charset="0"/>
+                <a:cs typeface="Times New Roman" panose="02020603050405020304" pitchFamily="18" charset="0"/>
+              </a:rPr>
+              <a:t> continuous </a:t>
+            </a:r>
+            <a:r>
+              <a:rPr lang="en-US" altLang="zh-HK" sz="1200" b="0" i="0" u="sng" dirty="0">
+                <a:solidFill>
+                  <a:srgbClr val="374151"/>
+                </a:solidFill>
+                <a:effectLst/>
+                <a:latin typeface="Times New Roman" panose="02020603050405020304" pitchFamily="18" charset="0"/>
+                <a:cs typeface="Times New Roman" panose="02020603050405020304" pitchFamily="18" charset="0"/>
+              </a:rPr>
+              <a:t>communication</a:t>
+            </a:r>
+            <a:r>
+              <a:rPr lang="en-US" altLang="zh-HK" sz="1200" b="0" i="0" dirty="0">
+                <a:solidFill>
+                  <a:srgbClr val="374151"/>
+                </a:solidFill>
+                <a:effectLst/>
+                <a:latin typeface="Times New Roman" panose="02020603050405020304" pitchFamily="18" charset="0"/>
+                <a:cs typeface="Times New Roman" panose="02020603050405020304" pitchFamily="18" charset="0"/>
+              </a:rPr>
+              <a:t> between users and technical teams regarding product enhancements.</a:t>
+            </a:r>
+          </a:p>
+          <a:p>
+            <a:pPr algn="l"/>
+            <a:endParaRPr lang="en-US" altLang="zh-HK" sz="1200" b="0" i="0" dirty="0">
+              <a:solidFill>
+                <a:srgbClr val="374151"/>
+              </a:solidFill>
+              <a:effectLst/>
+              <a:latin typeface="Times New Roman" panose="02020603050405020304" pitchFamily="18" charset="0"/>
+              <a:cs typeface="Times New Roman" panose="02020603050405020304" pitchFamily="18" charset="0"/>
+            </a:endParaRPr>
+          </a:p>
+          <a:p>
+            <a:pPr algn="l"/>
+            <a:r>
+              <a:rPr lang="en-US" altLang="zh-HK" sz="1200" b="0" i="0" dirty="0">
+                <a:solidFill>
+                  <a:srgbClr val="374151"/>
+                </a:solidFill>
+                <a:effectLst/>
+                <a:latin typeface="Times New Roman" panose="02020603050405020304" pitchFamily="18" charset="0"/>
+                <a:cs typeface="Times New Roman" panose="02020603050405020304" pitchFamily="18" charset="0"/>
+              </a:rPr>
+              <a:t>In summary, my approach involves six key steps: </a:t>
+            </a:r>
+          </a:p>
+          <a:p>
+            <a:pPr marL="228600" indent="-228600" algn="l">
+              <a:buFont typeface="+mj-lt"/>
+              <a:buAutoNum type="arabicPeriod"/>
+            </a:pPr>
+            <a:r>
+              <a:rPr lang="en-US" altLang="zh-HK" sz="1200" b="0" i="0" dirty="0">
+                <a:solidFill>
+                  <a:srgbClr val="374151"/>
+                </a:solidFill>
+                <a:effectLst/>
+                <a:highlight>
+                  <a:srgbClr val="FFFF00"/>
+                </a:highlight>
+                <a:latin typeface="Times New Roman" panose="02020603050405020304" pitchFamily="18" charset="0"/>
+                <a:cs typeface="Times New Roman" panose="02020603050405020304" pitchFamily="18" charset="0"/>
+              </a:rPr>
+              <a:t>Understanding the platform and workflow, </a:t>
+            </a:r>
+          </a:p>
+          <a:p>
+            <a:pPr marL="228600" indent="-228600" algn="l">
+              <a:buFont typeface="+mj-lt"/>
+              <a:buAutoNum type="arabicPeriod"/>
+            </a:pPr>
+            <a:r>
+              <a:rPr lang="en-US" altLang="zh-HK" sz="1200" dirty="0">
+                <a:solidFill>
+                  <a:srgbClr val="374151"/>
+                </a:solidFill>
+                <a:highlight>
+                  <a:srgbClr val="FFFF00"/>
+                </a:highlight>
+                <a:latin typeface="Times New Roman" panose="02020603050405020304" pitchFamily="18" charset="0"/>
+                <a:cs typeface="Times New Roman" panose="02020603050405020304" pitchFamily="18" charset="0"/>
+              </a:rPr>
+              <a:t>I</a:t>
+            </a:r>
+            <a:r>
+              <a:rPr lang="en-US" altLang="zh-HK" sz="1200" b="0" i="0" dirty="0">
+                <a:solidFill>
+                  <a:srgbClr val="374151"/>
+                </a:solidFill>
+                <a:effectLst/>
+                <a:highlight>
+                  <a:srgbClr val="FFFF00"/>
+                </a:highlight>
+                <a:latin typeface="Times New Roman" panose="02020603050405020304" pitchFamily="18" charset="0"/>
+                <a:cs typeface="Times New Roman" panose="02020603050405020304" pitchFamily="18" charset="0"/>
+              </a:rPr>
+              <a:t>dentifying problems, </a:t>
+            </a:r>
+          </a:p>
+          <a:p>
+            <a:pPr marL="228600" indent="-228600" algn="l">
+              <a:buFont typeface="+mj-lt"/>
+              <a:buAutoNum type="arabicPeriod"/>
+            </a:pPr>
+            <a:r>
+              <a:rPr lang="en-US" altLang="zh-HK" sz="1200" dirty="0">
+                <a:solidFill>
+                  <a:srgbClr val="374151"/>
+                </a:solidFill>
+                <a:highlight>
+                  <a:srgbClr val="FFFF00"/>
+                </a:highlight>
+                <a:latin typeface="Times New Roman" panose="02020603050405020304" pitchFamily="18" charset="0"/>
+                <a:cs typeface="Times New Roman" panose="02020603050405020304" pitchFamily="18" charset="0"/>
+              </a:rPr>
+              <a:t>B</a:t>
+            </a:r>
+            <a:r>
+              <a:rPr lang="en-US" altLang="zh-HK" sz="1200" b="0" i="0" dirty="0">
+                <a:solidFill>
+                  <a:srgbClr val="374151"/>
+                </a:solidFill>
+                <a:effectLst/>
+                <a:highlight>
+                  <a:srgbClr val="FFFF00"/>
+                </a:highlight>
+                <a:latin typeface="Times New Roman" panose="02020603050405020304" pitchFamily="18" charset="0"/>
+                <a:cs typeface="Times New Roman" panose="02020603050405020304" pitchFamily="18" charset="0"/>
+              </a:rPr>
+              <a:t>uilding solutions, </a:t>
+            </a:r>
+          </a:p>
+          <a:p>
+            <a:pPr marL="228600" indent="-228600" algn="l">
+              <a:buFont typeface="+mj-lt"/>
+              <a:buAutoNum type="arabicPeriod"/>
+            </a:pPr>
+            <a:r>
+              <a:rPr lang="en-US" altLang="zh-HK" sz="1200" dirty="0">
+                <a:solidFill>
+                  <a:srgbClr val="374151"/>
+                </a:solidFill>
+                <a:highlight>
+                  <a:srgbClr val="FFFF00"/>
+                </a:highlight>
+                <a:latin typeface="Times New Roman" panose="02020603050405020304" pitchFamily="18" charset="0"/>
+                <a:cs typeface="Times New Roman" panose="02020603050405020304" pitchFamily="18" charset="0"/>
+              </a:rPr>
+              <a:t>I</a:t>
+            </a:r>
+            <a:r>
+              <a:rPr lang="en-US" altLang="zh-HK" sz="1200" b="0" i="0" dirty="0">
+                <a:solidFill>
+                  <a:srgbClr val="374151"/>
+                </a:solidFill>
+                <a:effectLst/>
+                <a:highlight>
+                  <a:srgbClr val="FFFF00"/>
+                </a:highlight>
+                <a:latin typeface="Times New Roman" panose="02020603050405020304" pitchFamily="18" charset="0"/>
+                <a:cs typeface="Times New Roman" panose="02020603050405020304" pitchFamily="18" charset="0"/>
+              </a:rPr>
+              <a:t>nitiating the project, </a:t>
+            </a:r>
+          </a:p>
+          <a:p>
+            <a:pPr marL="228600" indent="-228600" algn="l">
+              <a:buFont typeface="+mj-lt"/>
+              <a:buAutoNum type="arabicPeriod"/>
+            </a:pPr>
+            <a:r>
+              <a:rPr lang="en-US" altLang="zh-HK" sz="1200" dirty="0">
+                <a:solidFill>
+                  <a:srgbClr val="374151"/>
+                </a:solidFill>
+                <a:highlight>
+                  <a:srgbClr val="FFFF00"/>
+                </a:highlight>
+                <a:latin typeface="Times New Roman" panose="02020603050405020304" pitchFamily="18" charset="0"/>
+                <a:cs typeface="Times New Roman" panose="02020603050405020304" pitchFamily="18" charset="0"/>
+              </a:rPr>
+              <a:t>C</a:t>
+            </a:r>
+            <a:r>
+              <a:rPr lang="en-US" altLang="zh-HK" sz="1200" b="0" i="0" dirty="0">
+                <a:solidFill>
+                  <a:srgbClr val="374151"/>
+                </a:solidFill>
+                <a:effectLst/>
+                <a:highlight>
+                  <a:srgbClr val="FFFF00"/>
+                </a:highlight>
+                <a:latin typeface="Times New Roman" panose="02020603050405020304" pitchFamily="18" charset="0"/>
+                <a:cs typeface="Times New Roman" panose="02020603050405020304" pitchFamily="18" charset="0"/>
+              </a:rPr>
+              <a:t>ontributing to its progress, </a:t>
+            </a:r>
+          </a:p>
+          <a:p>
+            <a:pPr marL="228600" indent="-228600" algn="l">
+              <a:buFont typeface="+mj-lt"/>
+              <a:buAutoNum type="arabicPeriod"/>
+            </a:pPr>
+            <a:r>
+              <a:rPr lang="en-US" altLang="zh-HK" sz="1200" dirty="0">
+                <a:solidFill>
+                  <a:srgbClr val="374151"/>
+                </a:solidFill>
+                <a:highlight>
+                  <a:srgbClr val="FFFF00"/>
+                </a:highlight>
+                <a:latin typeface="Times New Roman" panose="02020603050405020304" pitchFamily="18" charset="0"/>
+                <a:cs typeface="Times New Roman" panose="02020603050405020304" pitchFamily="18" charset="0"/>
+              </a:rPr>
+              <a:t>C</a:t>
+            </a:r>
+            <a:r>
+              <a:rPr lang="en-US" altLang="zh-HK" sz="1200" b="0" i="0" dirty="0">
+                <a:solidFill>
+                  <a:srgbClr val="374151"/>
+                </a:solidFill>
+                <a:effectLst/>
+                <a:highlight>
+                  <a:srgbClr val="FFFF00"/>
+                </a:highlight>
+                <a:latin typeface="Times New Roman" panose="02020603050405020304" pitchFamily="18" charset="0"/>
+                <a:cs typeface="Times New Roman" panose="02020603050405020304" pitchFamily="18" charset="0"/>
+              </a:rPr>
+              <a:t>losing the project. </a:t>
+            </a:r>
+          </a:p>
+          <a:p>
+            <a:pPr algn="l"/>
+            <a:r>
+              <a:rPr lang="en-US" altLang="zh-HK" sz="1200" b="0" i="0" dirty="0">
+                <a:solidFill>
+                  <a:srgbClr val="374151"/>
+                </a:solidFill>
+                <a:effectLst/>
+                <a:latin typeface="Times New Roman" panose="02020603050405020304" pitchFamily="18" charset="0"/>
+                <a:cs typeface="Times New Roman" panose="02020603050405020304" pitchFamily="18" charset="0"/>
+              </a:rPr>
+              <a:t>To ensure efficiency and transparency, I will keep detail records, track development progress closely, and ensure communicate </a:t>
+            </a:r>
+            <a:r>
+              <a:rPr lang="en-US" altLang="zh-HK" sz="1200" dirty="0">
+                <a:solidFill>
+                  <a:srgbClr val="374151"/>
+                </a:solidFill>
+                <a:latin typeface="Times New Roman" panose="02020603050405020304" pitchFamily="18" charset="0"/>
+                <a:cs typeface="Times New Roman" panose="02020603050405020304" pitchFamily="18" charset="0"/>
+              </a:rPr>
+              <a:t>within project teams and the transparency for </a:t>
+            </a:r>
+            <a:r>
+              <a:rPr lang="en-US" altLang="zh-HK" sz="1200" b="0" i="0" dirty="0">
+                <a:solidFill>
+                  <a:srgbClr val="374151"/>
+                </a:solidFill>
+                <a:effectLst/>
+                <a:latin typeface="Times New Roman" panose="02020603050405020304" pitchFamily="18" charset="0"/>
+                <a:cs typeface="Times New Roman" panose="02020603050405020304" pitchFamily="18" charset="0"/>
+              </a:rPr>
+              <a:t>any changes in the project.</a:t>
+            </a:r>
+          </a:p>
+          <a:p>
+            <a:pPr>
+              <a:lnSpc>
+                <a:spcPct val="115000"/>
+              </a:lnSpc>
+              <a:spcAft>
+                <a:spcPts val="800"/>
+              </a:spcAft>
+            </a:pPr>
+            <a:endParaRPr lang="en-US" altLang="zh-TW" sz="2800" kern="100" dirty="0">
+              <a:effectLst/>
+              <a:latin typeface="Times New Roman" panose="02020603050405020304" pitchFamily="18" charset="0"/>
+              <a:ea typeface="新細明體" panose="02020500000000000000" pitchFamily="18" charset="-120"/>
+              <a:cs typeface="Times New Roman" panose="02020603050405020304" pitchFamily="18" charset="0"/>
+            </a:endParaRPr>
+          </a:p>
+        </p:txBody>
+      </p:sp>
+    </p:spTree>
+    <p:extLst>
+      <p:ext uri="{BB962C8B-B14F-4D97-AF65-F5344CB8AC3E}">
+        <p14:creationId xmlns:p14="http://schemas.microsoft.com/office/powerpoint/2010/main" val="2436537942"/>
+      </p:ext>
+    </p:extLst>
+  </p:cSld>
+  <p:clrMapOvr>
+    <a:masterClrMapping/>
+  </p:clrMapOvr>
+</p:sld>
+</file>
+
+<file path=ppt/slides/slide12.xml><?xml version="1.0" encoding="utf-8"?>
+<p:sld xmlns:a="http://schemas.openxmlformats.org/drawingml/2006/main" xmlns:r="http://schemas.openxmlformats.org/officeDocument/2006/relationships" xmlns:p="http://schemas.openxmlformats.org/presentationml/2006/main">
+  <p:cSld>
+    <p:spTree>
+      <p:nvGrpSpPr>
+        <p:cNvPr id="1" name=""/>
+        <p:cNvGrpSpPr/>
+        <p:nvPr/>
+      </p:nvGrpSpPr>
+      <p:grpSpPr>
+        <a:xfrm>
+          <a:off x="0" y="0"/>
+          <a:ext cx="0" cy="0"/>
+          <a:chOff x="0" y="0"/>
+          <a:chExt cx="0" cy="0"/>
+        </a:xfrm>
+      </p:grpSpPr>
+      <p:pic>
+        <p:nvPicPr>
+          <p:cNvPr id="4" name="Picture 3" descr="木桌上筆筒內的彩色鉛筆">
+            <a:extLst>
+              <a:ext uri="{FF2B5EF4-FFF2-40B4-BE49-F238E27FC236}">
+                <a16:creationId xmlns:a16="http://schemas.microsoft.com/office/drawing/2014/main" id="{883AF07A-6859-B501-AF2F-07EF67E8BA2F}"/>
+              </a:ext>
+            </a:extLst>
+          </p:cNvPr>
+          <p:cNvPicPr>
+            <a:picLocks noChangeAspect="1"/>
+          </p:cNvPicPr>
+          <p:nvPr/>
+        </p:nvPicPr>
+        <p:blipFill rotWithShape="1">
+          <a:blip r:embed="rId2"/>
+          <a:srcRect l="54410" r="9973" b="-2"/>
+          <a:stretch/>
+        </p:blipFill>
+        <p:spPr>
+          <a:xfrm>
+            <a:off x="8532726" y="0"/>
+            <a:ext cx="3659274" cy="6857999"/>
+          </a:xfrm>
+          <a:prstGeom prst="rect">
+            <a:avLst/>
+          </a:prstGeom>
+        </p:spPr>
+      </p:pic>
+      <p:sp>
+        <p:nvSpPr>
+          <p:cNvPr id="12" name="文字方塊 11">
+            <a:extLst>
+              <a:ext uri="{FF2B5EF4-FFF2-40B4-BE49-F238E27FC236}">
+                <a16:creationId xmlns:a16="http://schemas.microsoft.com/office/drawing/2014/main" id="{53C18AA4-AFE9-A93B-84B9-036DE76DE3AD}"/>
+              </a:ext>
+            </a:extLst>
+          </p:cNvPr>
+          <p:cNvSpPr txBox="1"/>
+          <p:nvPr/>
+        </p:nvSpPr>
+        <p:spPr>
+          <a:xfrm>
+            <a:off x="0" y="0"/>
+            <a:ext cx="8647611" cy="7300717"/>
+          </a:xfrm>
+          <a:prstGeom prst="rect">
+            <a:avLst/>
+          </a:prstGeom>
+          <a:noFill/>
+        </p:spPr>
+        <p:txBody>
+          <a:bodyPr wrap="square">
+            <a:spAutoFit/>
+          </a:bodyPr>
+          <a:lstStyle/>
+          <a:p>
+            <a:pPr>
+              <a:lnSpc>
+                <a:spcPct val="115000"/>
+              </a:lnSpc>
+              <a:spcAft>
+                <a:spcPts val="800"/>
+              </a:spcAft>
+            </a:pPr>
+            <a:r>
+              <a:rPr lang="en-US" altLang="zh-TW" sz="2400" kern="100" dirty="0">
+                <a:latin typeface="Times New Roman" panose="02020603050405020304" pitchFamily="18" charset="0"/>
+                <a:ea typeface="新細明體" panose="02020500000000000000" pitchFamily="18" charset="-120"/>
+                <a:cs typeface="Arial" panose="020B0604020202020204" pitchFamily="34" charset="0"/>
+              </a:rPr>
+              <a:t>Q2 2. </a:t>
+            </a:r>
+            <a:r>
+              <a:rPr lang="en-US" altLang="zh-HK" sz="1200" dirty="0"/>
+              <a:t>Can you outline the steps you would take, any key factors or actions you would take?</a:t>
+            </a:r>
+            <a:endParaRPr lang="en-US" altLang="zh-HK" sz="1200" kern="100" dirty="0">
+              <a:latin typeface="Times New Roman" panose="02020603050405020304" pitchFamily="18" charset="0"/>
+              <a:ea typeface="新細明體" panose="02020500000000000000" pitchFamily="18" charset="-120"/>
+              <a:cs typeface="Arial" panose="020B0604020202020204" pitchFamily="34" charset="0"/>
+            </a:endParaRPr>
+          </a:p>
+          <a:p>
+            <a:pPr>
+              <a:lnSpc>
+                <a:spcPct val="115000"/>
+              </a:lnSpc>
+              <a:spcAft>
+                <a:spcPts val="800"/>
+              </a:spcAft>
+            </a:pPr>
+            <a:r>
+              <a:rPr lang="en-US" altLang="zh-TW" sz="1200" kern="100" dirty="0">
+                <a:latin typeface="Times New Roman" panose="02020603050405020304" pitchFamily="18" charset="0"/>
+                <a:ea typeface="新細明體" panose="02020500000000000000" pitchFamily="18" charset="-120"/>
+                <a:cs typeface="Arial" panose="020B0604020202020204" pitchFamily="34" charset="0"/>
+              </a:rPr>
+              <a:t>My Steps will be as following:</a:t>
+            </a:r>
+          </a:p>
+          <a:p>
+            <a:pPr>
+              <a:lnSpc>
+                <a:spcPct val="115000"/>
+              </a:lnSpc>
+              <a:spcAft>
+                <a:spcPts val="800"/>
+              </a:spcAft>
+            </a:pPr>
+            <a:endParaRPr lang="en-US" altLang="zh-TW" sz="1200" kern="100" dirty="0">
+              <a:latin typeface="Times New Roman" panose="02020603050405020304" pitchFamily="18" charset="0"/>
+              <a:ea typeface="新細明體" panose="02020500000000000000" pitchFamily="18" charset="-120"/>
+              <a:cs typeface="Arial" panose="020B0604020202020204" pitchFamily="34" charset="0"/>
+            </a:endParaRPr>
+          </a:p>
+          <a:p>
+            <a:pPr marL="228600" indent="-228600">
+              <a:lnSpc>
+                <a:spcPct val="115000"/>
+              </a:lnSpc>
+              <a:spcAft>
+                <a:spcPts val="800"/>
+              </a:spcAft>
+              <a:buFont typeface="+mj-lt"/>
+              <a:buAutoNum type="arabicPeriod"/>
+            </a:pPr>
+            <a:r>
+              <a:rPr lang="en-US" altLang="zh-TW" sz="1200" kern="100" dirty="0">
+                <a:latin typeface="Times New Roman" panose="02020603050405020304" pitchFamily="18" charset="0"/>
+                <a:ea typeface="新細明體" panose="02020500000000000000" pitchFamily="18" charset="-120"/>
+                <a:cs typeface="Arial" panose="020B0604020202020204" pitchFamily="34" charset="0"/>
+              </a:rPr>
+              <a:t>Gathering information for the platform, performance(both current and historical), user expectation, business workflow, every involved roles within process, stakeholders involved, and any research needed in enhancing the platform. Those information can be gathered from stakeholders, system documentation, previous project documentation, database record, interviews with users, internet research etc.</a:t>
+            </a:r>
+          </a:p>
+          <a:p>
+            <a:pPr marL="228600" indent="-228600">
+              <a:lnSpc>
+                <a:spcPct val="115000"/>
+              </a:lnSpc>
+              <a:spcAft>
+                <a:spcPts val="800"/>
+              </a:spcAft>
+              <a:buFont typeface="+mj-lt"/>
+              <a:buAutoNum type="arabicPeriod"/>
+            </a:pPr>
+            <a:r>
+              <a:rPr lang="en-US" altLang="zh-TW" sz="1200" kern="100" dirty="0">
+                <a:latin typeface="Times New Roman" panose="02020603050405020304" pitchFamily="18" charset="0"/>
+                <a:ea typeface="新細明體" panose="02020500000000000000" pitchFamily="18" charset="-120"/>
+                <a:cs typeface="Arial" panose="020B0604020202020204" pitchFamily="34" charset="0"/>
+              </a:rPr>
+              <a:t>Problem questioning to know the difference between ‘delays’ and ‘normal’ in platform performance, discussing with project manager, product manager, user to define the duration differences. Breakdown problem into minimal unit process to check where did the ‘delayed’ happened, figure out estimated duration for each unit process and compare the fact with historical data. Identify if it is manual process or system process, evaluate the resources we need to enhance the efficiency. E.g. if it is a manual process, platform training session may help operator in getting familiar with the operation, improving efficiency and so shorten the process time. If it is system process, work with technical lead in finding any tools/ technology can be used to enhance user experience. Evaluate the costs, manpower, time with project manager and product manager, figuring out options with pros and cons. </a:t>
+            </a:r>
+          </a:p>
+          <a:p>
+            <a:pPr marL="228600" indent="-228600">
+              <a:lnSpc>
+                <a:spcPct val="115000"/>
+              </a:lnSpc>
+              <a:spcAft>
+                <a:spcPts val="800"/>
+              </a:spcAft>
+              <a:buFont typeface="+mj-lt"/>
+              <a:buAutoNum type="arabicPeriod"/>
+            </a:pPr>
+            <a:r>
+              <a:rPr lang="en-US" altLang="zh-TW" sz="1200" kern="100" dirty="0">
+                <a:latin typeface="Times New Roman" panose="02020603050405020304" pitchFamily="18" charset="0"/>
+                <a:ea typeface="新細明體" panose="02020500000000000000" pitchFamily="18" charset="-120"/>
+                <a:cs typeface="Arial" panose="020B0604020202020204" pitchFamily="34" charset="0"/>
+              </a:rPr>
+              <a:t>Project building, showing the possible options to address the problems, presenting solutions to get stakeholders mutual consent in the project direction, budget and timeline. Kickstarting the project with detailed project documentation, working with technical team in ensuring quality deliverables in timely manner. Work with project manager in resources planning, testing arrangement and launching plans. Minimalize the business effects to users during system deployment, supporting continuous communication on product enhancement between users and tech teams.</a:t>
+            </a:r>
+          </a:p>
+          <a:p>
+            <a:pPr>
+              <a:lnSpc>
+                <a:spcPct val="115000"/>
+              </a:lnSpc>
+              <a:spcAft>
+                <a:spcPts val="800"/>
+              </a:spcAft>
+            </a:pPr>
+            <a:r>
+              <a:rPr lang="en-US" altLang="zh-TW" sz="1200" kern="100" dirty="0">
+                <a:latin typeface="Times New Roman" panose="02020603050405020304" pitchFamily="18" charset="0"/>
+                <a:ea typeface="新細明體" panose="02020500000000000000" pitchFamily="18" charset="-120"/>
+                <a:cs typeface="Arial" panose="020B0604020202020204" pitchFamily="34" charset="0"/>
+              </a:rPr>
+              <a:t>In short, the steps I take can be simplified to 6 steps:</a:t>
+            </a:r>
+          </a:p>
+          <a:p>
+            <a:pPr>
+              <a:lnSpc>
+                <a:spcPct val="115000"/>
+              </a:lnSpc>
+              <a:spcAft>
+                <a:spcPts val="800"/>
+              </a:spcAft>
+            </a:pPr>
+            <a:r>
+              <a:rPr lang="en-US" altLang="zh-TW" sz="1200" kern="100" dirty="0">
+                <a:latin typeface="Times New Roman" panose="02020603050405020304" pitchFamily="18" charset="0"/>
+                <a:ea typeface="新細明體" panose="02020500000000000000" pitchFamily="18" charset="-120"/>
+                <a:cs typeface="Arial" panose="020B0604020202020204" pitchFamily="34" charset="0"/>
+              </a:rPr>
+              <a:t>Platform/ workflow understanding-&gt;problem identification-&gt;solution building-&gt;project initiation-&gt;project contribution-&gt;project closing</a:t>
+            </a:r>
+          </a:p>
+          <a:p>
+            <a:pPr>
+              <a:lnSpc>
+                <a:spcPct val="115000"/>
+              </a:lnSpc>
+              <a:spcAft>
+                <a:spcPts val="800"/>
+              </a:spcAft>
+            </a:pPr>
+            <a:r>
+              <a:rPr lang="en-US" altLang="zh-TW" sz="1200" kern="100" dirty="0">
+                <a:latin typeface="Times New Roman" panose="02020603050405020304" pitchFamily="18" charset="0"/>
+                <a:ea typeface="新細明體" panose="02020500000000000000" pitchFamily="18" charset="-120"/>
+                <a:cs typeface="Arial" panose="020B0604020202020204" pitchFamily="34" charset="0"/>
+              </a:rPr>
+              <a:t>Key factors/ actions I would</a:t>
+            </a:r>
+            <a:r>
+              <a:rPr lang="zh-TW" altLang="en-US" sz="1200" kern="100" dirty="0">
+                <a:latin typeface="Times New Roman" panose="02020603050405020304" pitchFamily="18" charset="0"/>
+                <a:ea typeface="新細明體" panose="02020500000000000000" pitchFamily="18" charset="-120"/>
+                <a:cs typeface="Arial" panose="020B0604020202020204" pitchFamily="34" charset="0"/>
+              </a:rPr>
+              <a:t> </a:t>
+            </a:r>
+            <a:r>
+              <a:rPr lang="en-US" altLang="zh-TW" sz="1200" kern="100" dirty="0">
+                <a:latin typeface="Times New Roman" panose="02020603050405020304" pitchFamily="18" charset="0"/>
+                <a:ea typeface="新細明體" panose="02020500000000000000" pitchFamily="18" charset="-120"/>
+                <a:cs typeface="Arial" panose="020B0604020202020204" pitchFamily="34" charset="0"/>
+              </a:rPr>
+              <a:t>take:</a:t>
+            </a:r>
+          </a:p>
+          <a:p>
+            <a:pPr>
+              <a:lnSpc>
+                <a:spcPct val="115000"/>
+              </a:lnSpc>
+              <a:spcAft>
+                <a:spcPts val="800"/>
+              </a:spcAft>
+            </a:pPr>
+            <a:r>
+              <a:rPr lang="en-US" altLang="zh-TW" sz="1200" kern="100" dirty="0">
+                <a:latin typeface="Times New Roman" panose="02020603050405020304" pitchFamily="18" charset="0"/>
+                <a:ea typeface="新細明體" panose="02020500000000000000" pitchFamily="18" charset="-120"/>
+                <a:cs typeface="Arial" panose="020B0604020202020204" pitchFamily="34" charset="0"/>
+              </a:rPr>
+              <a:t>Keep every information/ discussion in record, maintain a detailed knowledge database to avoid information loss. </a:t>
+            </a:r>
+          </a:p>
+          <a:p>
+            <a:pPr>
+              <a:lnSpc>
+                <a:spcPct val="115000"/>
+              </a:lnSpc>
+              <a:spcAft>
+                <a:spcPts val="800"/>
+              </a:spcAft>
+            </a:pPr>
+            <a:r>
+              <a:rPr lang="en-US" altLang="zh-TW" sz="1200" kern="100" dirty="0">
+                <a:latin typeface="Times New Roman" panose="02020603050405020304" pitchFamily="18" charset="0"/>
+                <a:ea typeface="新細明體" panose="02020500000000000000" pitchFamily="18" charset="-120"/>
+                <a:cs typeface="Arial" panose="020B0604020202020204" pitchFamily="34" charset="0"/>
+              </a:rPr>
+              <a:t>Making sure development progress on track, timely follow-up when requirement/ task priority change. </a:t>
+            </a:r>
+          </a:p>
+          <a:p>
+            <a:pPr>
+              <a:lnSpc>
+                <a:spcPct val="115000"/>
+              </a:lnSpc>
+              <a:spcAft>
+                <a:spcPts val="800"/>
+              </a:spcAft>
+            </a:pPr>
+            <a:r>
+              <a:rPr lang="en-US" altLang="zh-TW" sz="1200" kern="100" dirty="0">
+                <a:latin typeface="Times New Roman" panose="02020603050405020304" pitchFamily="18" charset="0"/>
+                <a:ea typeface="新細明體" panose="02020500000000000000" pitchFamily="18" charset="-120"/>
+                <a:cs typeface="Arial" panose="020B0604020202020204" pitchFamily="34" charset="0"/>
+              </a:rPr>
+              <a:t>Ensuring any changes to the project are transparent to stakeholders.</a:t>
+            </a:r>
+            <a:endParaRPr lang="en-US" altLang="zh-TW" sz="2800" kern="100" dirty="0">
+              <a:latin typeface="Times New Roman" panose="02020603050405020304" pitchFamily="18" charset="0"/>
+              <a:ea typeface="新細明體" panose="02020500000000000000" pitchFamily="18" charset="-120"/>
+              <a:cs typeface="Arial" panose="020B0604020202020204" pitchFamily="34" charset="0"/>
+            </a:endParaRPr>
+          </a:p>
+          <a:p>
+            <a:pPr>
+              <a:lnSpc>
+                <a:spcPct val="115000"/>
+              </a:lnSpc>
+              <a:spcAft>
+                <a:spcPts val="800"/>
+              </a:spcAft>
+            </a:pPr>
+            <a:endParaRPr lang="en-US" altLang="zh-TW" sz="2800" kern="100" dirty="0">
+              <a:effectLst/>
+              <a:latin typeface="Times New Roman" panose="02020603050405020304" pitchFamily="18" charset="0"/>
+              <a:ea typeface="新細明體" panose="02020500000000000000" pitchFamily="18" charset="-120"/>
+              <a:cs typeface="Arial" panose="020B0604020202020204" pitchFamily="34" charset="0"/>
+            </a:endParaRPr>
+          </a:p>
+        </p:txBody>
+      </p:sp>
+    </p:spTree>
+    <p:extLst>
+      <p:ext uri="{BB962C8B-B14F-4D97-AF65-F5344CB8AC3E}">
+        <p14:creationId xmlns:p14="http://schemas.microsoft.com/office/powerpoint/2010/main" val="2221828343"/>
+      </p:ext>
+    </p:extLst>
+  </p:cSld>
+  <p:clrMapOvr>
+    <a:masterClrMapping/>
+  </p:clrMapOvr>
+</p:sld>
+</file>
+
+<file path=ppt/slides/slide13.xml><?xml version="1.0" encoding="utf-8"?>
+<p:sld xmlns:a="http://schemas.openxmlformats.org/drawingml/2006/main" xmlns:r="http://schemas.openxmlformats.org/officeDocument/2006/relationships" xmlns:p="http://schemas.openxmlformats.org/presentationml/2006/main">
+  <p:cSld>
+    <p:spTree>
+      <p:nvGrpSpPr>
+        <p:cNvPr id="1" name=""/>
+        <p:cNvGrpSpPr/>
+        <p:nvPr/>
+      </p:nvGrpSpPr>
+      <p:grpSpPr>
+        <a:xfrm>
+          <a:off x="0" y="0"/>
+          <a:ext cx="0" cy="0"/>
+          <a:chOff x="0" y="0"/>
+          <a:chExt cx="0" cy="0"/>
+        </a:xfrm>
+      </p:grpSpPr>
+      <p:pic>
+        <p:nvPicPr>
+          <p:cNvPr id="4" name="Picture 3" descr="木桌上筆筒內的彩色鉛筆">
+            <a:extLst>
+              <a:ext uri="{FF2B5EF4-FFF2-40B4-BE49-F238E27FC236}">
+                <a16:creationId xmlns:a16="http://schemas.microsoft.com/office/drawing/2014/main" id="{883AF07A-6859-B501-AF2F-07EF67E8BA2F}"/>
+              </a:ext>
+            </a:extLst>
+          </p:cNvPr>
+          <p:cNvPicPr>
+            <a:picLocks noChangeAspect="1"/>
+          </p:cNvPicPr>
+          <p:nvPr/>
+        </p:nvPicPr>
+        <p:blipFill rotWithShape="1">
+          <a:blip r:embed="rId2"/>
+          <a:srcRect l="54410" r="9973" b="-2"/>
+          <a:stretch/>
+        </p:blipFill>
+        <p:spPr>
+          <a:xfrm>
+            <a:off x="8532726" y="0"/>
+            <a:ext cx="3659274" cy="6857999"/>
+          </a:xfrm>
+          <a:prstGeom prst="rect">
+            <a:avLst/>
+          </a:prstGeom>
+        </p:spPr>
+      </p:pic>
+      <p:sp>
+        <p:nvSpPr>
+          <p:cNvPr id="12" name="文字方塊 11">
+            <a:extLst>
+              <a:ext uri="{FF2B5EF4-FFF2-40B4-BE49-F238E27FC236}">
+                <a16:creationId xmlns:a16="http://schemas.microsoft.com/office/drawing/2014/main" id="{53C18AA4-AFE9-A93B-84B9-036DE76DE3AD}"/>
+              </a:ext>
+            </a:extLst>
+          </p:cNvPr>
+          <p:cNvSpPr txBox="1"/>
+          <p:nvPr/>
+        </p:nvSpPr>
+        <p:spPr>
+          <a:xfrm>
             <a:off x="0" y="629990"/>
             <a:ext cx="8395061" cy="8118376"/>
           </a:xfrm>
@@ -3775,7 +6176,7 @@
 </p:sld>
 </file>
 
-<file path=ppt/slides/slide11.xml><?xml version="1.0" encoding="utf-8"?>
+<file path=ppt/slides/slide14.xml><?xml version="1.0" encoding="utf-8"?>
 <p:sld xmlns:a="http://schemas.openxmlformats.org/drawingml/2006/main" xmlns:r="http://schemas.openxmlformats.org/officeDocument/2006/relationships" xmlns:p="http://schemas.openxmlformats.org/presentationml/2006/main">
   <p:cSld>
     <p:spTree>
@@ -3887,7 +6288,7 @@
 </p:sld>
 </file>
 
-<file path=ppt/slides/slide12.xml><?xml version="1.0" encoding="utf-8"?>
+<file path=ppt/slides/slide15.xml><?xml version="1.0" encoding="utf-8"?>
 <p:sld xmlns:a="http://schemas.openxmlformats.org/drawingml/2006/main" xmlns:r="http://schemas.openxmlformats.org/officeDocument/2006/relationships" xmlns:p="http://schemas.openxmlformats.org/presentationml/2006/main">
   <p:cSld>
     <p:spTree>
@@ -7218,7 +9619,7 @@
         <p:spPr>
           <a:xfrm>
             <a:off x="0" y="0"/>
-            <a:ext cx="8647611" cy="7300717"/>
+            <a:ext cx="8395061" cy="7162474"/>
           </a:xfrm>
           <a:prstGeom prst="rect">
             <a:avLst/>
@@ -7245,45 +9646,36 @@
                 <a:ea typeface="新細明體" panose="02020500000000000000" pitchFamily="18" charset="-120"/>
                 <a:cs typeface="Arial" panose="020B0604020202020204" pitchFamily="34" charset="0"/>
               </a:rPr>
-              <a:t>Q2 2. </a:t>
-            </a:r>
+              <a:t>Q2 Workflow</a:t>
+            </a:r>
+          </a:p>
+          <a:p>
+            <a:pPr>
+              <a:lnSpc>
+                <a:spcPct val="115000"/>
+              </a:lnSpc>
+              <a:spcAft>
+                <a:spcPts val="800"/>
+              </a:spcAft>
+            </a:pPr>
             <a:r>
               <a:rPr lang="en-US" altLang="zh-HK" sz="1200" dirty="0"/>
-              <a:t>Can you outline the steps you would take, any key factors or actions you would take?</a:t>
-            </a:r>
-            <a:endParaRPr lang="en-US" altLang="zh-HK" sz="1200" kern="100" dirty="0">
-              <a:latin typeface="Times New Roman" panose="02020603050405020304" pitchFamily="18" charset="0"/>
-              <a:ea typeface="新細明體" panose="02020500000000000000" pitchFamily="18" charset="-120"/>
-              <a:cs typeface="Arial" panose="020B0604020202020204" pitchFamily="34" charset="0"/>
-            </a:endParaRPr>
-          </a:p>
-          <a:p>
-            <a:pPr>
-              <a:lnSpc>
-                <a:spcPct val="115000"/>
-              </a:lnSpc>
-              <a:spcAft>
-                <a:spcPts val="800"/>
-              </a:spcAft>
-            </a:pPr>
-            <a:r>
-              <a:rPr lang="en-US" altLang="zh-TW" sz="1200" kern="100" dirty="0">
-                <a:latin typeface="Times New Roman" panose="02020603050405020304" pitchFamily="18" charset="0"/>
-                <a:ea typeface="新細明體" panose="02020500000000000000" pitchFamily="18" charset="-120"/>
-                <a:cs typeface="Arial" panose="020B0604020202020204" pitchFamily="34" charset="0"/>
-              </a:rPr>
-              <a:t>My Steps will be as following:</a:t>
-            </a:r>
-          </a:p>
-          <a:p>
-            <a:pPr>
-              <a:lnSpc>
-                <a:spcPct val="115000"/>
-              </a:lnSpc>
-              <a:spcAft>
-                <a:spcPts val="800"/>
-              </a:spcAft>
-            </a:pPr>
+              <a:t>You're a Business Analyst at Mortgage Automator and you've been assigned to a project to optimize a critical workflow. In your first few weeks, we discovered that multiple lenders on our platform have been experiencing delays, leading to increased turnaround times for approvals and funding. </a:t>
+            </a:r>
+          </a:p>
+          <a:p>
+            <a:pPr>
+              <a:lnSpc>
+                <a:spcPct val="115000"/>
+              </a:lnSpc>
+              <a:spcAft>
+                <a:spcPts val="800"/>
+              </a:spcAft>
+            </a:pPr>
+            <a:r>
+              <a:rPr lang="en-US" altLang="zh-HK" sz="1200" dirty="0"/>
+              <a:t>Thinking Process</a:t>
+            </a:r>
             <a:endParaRPr lang="en-US" altLang="zh-TW" sz="1200" kern="100" dirty="0">
               <a:latin typeface="Times New Roman" panose="02020603050405020304" pitchFamily="18" charset="0"/>
               <a:ea typeface="新細明體" panose="02020500000000000000" pitchFamily="18" charset="-120"/>
@@ -7291,35 +9683,32 @@
             </a:endParaRPr>
           </a:p>
           <a:p>
-            <a:pPr marL="228600" indent="-228600">
-              <a:lnSpc>
-                <a:spcPct val="115000"/>
-              </a:lnSpc>
-              <a:spcAft>
-                <a:spcPts val="800"/>
-              </a:spcAft>
-              <a:buFont typeface="+mj-lt"/>
-              <a:buAutoNum type="arabicPeriod"/>
+            <a:pPr>
+              <a:lnSpc>
+                <a:spcPct val="115000"/>
+              </a:lnSpc>
+              <a:spcAft>
+                <a:spcPts val="800"/>
+              </a:spcAft>
             </a:pPr>
             <a:r>
               <a:rPr lang="en-US" altLang="zh-TW" sz="1200" kern="100" dirty="0">
-                <a:latin typeface="Times New Roman" panose="02020603050405020304" pitchFamily="18" charset="0"/>
-                <a:ea typeface="新細明體" panose="02020500000000000000" pitchFamily="18" charset="-120"/>
-                <a:cs typeface="Arial" panose="020B0604020202020204" pitchFamily="34" charset="0"/>
-              </a:rPr>
-              <a:t>Gathering information for the platform, performance(both current and historical), user expectation, business workflow, every involved roles within process, stakeholders involved, and any research needed in enhancing the platform. Those information can be gathered from stakeholders, system documentation, previous project documentation, database record, interviews with users, internet research etc.</a:t>
-            </a:r>
-          </a:p>
-          <a:p>
-            <a:pPr marL="228600" indent="-228600">
-              <a:lnSpc>
-                <a:spcPct val="115000"/>
-              </a:lnSpc>
-              <a:spcAft>
-                <a:spcPts val="800"/>
-              </a:spcAft>
-              <a:buFont typeface="+mj-lt"/>
-              <a:buAutoNum type="arabicPeriod"/>
+                <a:effectLst/>
+                <a:latin typeface="Times New Roman" panose="02020603050405020304" pitchFamily="18" charset="0"/>
+                <a:ea typeface="新細明體" panose="02020500000000000000" pitchFamily="18" charset="-120"/>
+                <a:cs typeface="Arial" panose="020B0604020202020204" pitchFamily="34" charset="0"/>
+              </a:rPr>
+              <a:t>I will start by questioning:</a:t>
+            </a:r>
+          </a:p>
+          <a:p>
+            <a:pPr>
+              <a:lnSpc>
+                <a:spcPct val="115000"/>
+              </a:lnSpc>
+              <a:spcAft>
+                <a:spcPts val="800"/>
+              </a:spcAft>
             </a:pPr>
             <a:r>
               <a:rPr lang="en-US" altLang="zh-TW" sz="1200" kern="100" dirty="0">
@@ -7327,27 +9716,26 @@
                 <a:ea typeface="新細明體" panose="02020500000000000000" pitchFamily="18" charset="-120"/>
                 <a:cs typeface="Arial" panose="020B0604020202020204" pitchFamily="34" charset="0"/>
               </a:rPr>
-              <a:t>Problem questioning to know the difference between ‘delays’ and ‘normal’ in platform performance, discussing with project manager, product manager, user to define the duration differences. Breakdown problem into minimal unit process to check where did the ‘delayed’ happened, figure out estimated duration for each unit process and compare the fact with historical data. Identify if it is manual process or system process, evaluate the resources we need to enhance the efficiency. E.g. if it is a manual process, platform training session may help operator in getting familiar with the operation, improving efficiency and so shorten the process time. If it is system process, work with technical lead in finding any tools/ technology can be used to enhance user experience. Evaluate the costs, manpower, time with project manager and product manager, figuring out options with pros and cons. </a:t>
-            </a:r>
-          </a:p>
-          <a:p>
-            <a:pPr marL="228600" indent="-228600">
-              <a:lnSpc>
-                <a:spcPct val="115000"/>
-              </a:lnSpc>
-              <a:spcAft>
-                <a:spcPts val="800"/>
-              </a:spcAft>
-              <a:buFont typeface="+mj-lt"/>
-              <a:buAutoNum type="arabicPeriod"/>
+              <a:t>What is the problem? Can I define them?</a:t>
+            </a:r>
+          </a:p>
+          <a:p>
+            <a:pPr>
+              <a:lnSpc>
+                <a:spcPct val="115000"/>
+              </a:lnSpc>
+              <a:spcAft>
+                <a:spcPts val="800"/>
+              </a:spcAft>
             </a:pPr>
             <a:r>
               <a:rPr lang="en-US" altLang="zh-TW" sz="1200" kern="100" dirty="0">
-                <a:latin typeface="Times New Roman" panose="02020603050405020304" pitchFamily="18" charset="0"/>
-                <a:ea typeface="新細明體" panose="02020500000000000000" pitchFamily="18" charset="-120"/>
-                <a:cs typeface="Arial" panose="020B0604020202020204" pitchFamily="34" charset="0"/>
-              </a:rPr>
-              <a:t>Project building, showing the possible options to address the problems, presenting solutions to get stakeholders mutual consent in the project direction, budget and timeline. Kickstarting the project with detailed project documentation, working with technical team in ensuring quality deliverables in timely manner. Work with project manager in resources planning, testing arrangement and launching plans. Minimalize the business effects to users during system deployment, supporting continuous communication on product enhancement between users and tech teams.</a:t>
+                <a:effectLst/>
+                <a:latin typeface="Times New Roman" panose="02020603050405020304" pitchFamily="18" charset="0"/>
+                <a:ea typeface="新細明體" panose="02020500000000000000" pitchFamily="18" charset="-120"/>
+                <a:cs typeface="Arial" panose="020B0604020202020204" pitchFamily="34" charset="0"/>
+              </a:rPr>
+              <a:t>What is the workflow? What is the roles involved?</a:t>
             </a:r>
           </a:p>
           <a:p>
@@ -7365,43 +9753,39 @@
                 <a:ea typeface="新細明體" panose="02020500000000000000" pitchFamily="18" charset="-120"/>
                 <a:cs typeface="Arial" panose="020B0604020202020204" pitchFamily="34" charset="0"/>
               </a:rPr>
-              <a:t>In short, the steps I take can be simplified to 6 steps:</a:t>
-            </a:r>
-          </a:p>
-          <a:p>
-            <a:pPr>
-              <a:lnSpc>
-                <a:spcPct val="115000"/>
-              </a:lnSpc>
-              <a:spcAft>
-                <a:spcPts val="800"/>
-              </a:spcAft>
-            </a:pPr>
+              <a:t>Where</a:t>
+            </a:r>
+            <a:r>
+              <a:rPr lang="zh-TW" altLang="en-US" sz="1200" kern="100" dirty="0">
+                <a:latin typeface="Times New Roman" panose="02020603050405020304" pitchFamily="18" charset="0"/>
+                <a:ea typeface="新細明體" panose="02020500000000000000" pitchFamily="18" charset="-120"/>
+                <a:cs typeface="Arial" panose="020B0604020202020204" pitchFamily="34" charset="0"/>
+              </a:rPr>
+              <a:t> </a:t>
+            </a:r>
             <a:r>
               <a:rPr lang="en-US" altLang="zh-TW" sz="1200" kern="100" dirty="0">
                 <a:latin typeface="Times New Roman" panose="02020603050405020304" pitchFamily="18" charset="0"/>
                 <a:ea typeface="新細明體" panose="02020500000000000000" pitchFamily="18" charset="-120"/>
                 <a:cs typeface="Arial" panose="020B0604020202020204" pitchFamily="34" charset="0"/>
               </a:rPr>
-              <a:t>Platform/ workflow understanding-&gt;problem identification-&gt;solution building-&gt;project initiation-&gt;project contribution-&gt;project closing</a:t>
-            </a:r>
-          </a:p>
-          <a:p>
-            <a:pPr>
-              <a:lnSpc>
-                <a:spcPct val="115000"/>
-              </a:lnSpc>
-              <a:spcAft>
-                <a:spcPts val="800"/>
-              </a:spcAft>
-            </a:pPr>
+              <a:t>can</a:t>
+            </a:r>
+            <a:r>
+              <a:rPr lang="zh-TW" altLang="en-US" sz="1200" kern="100" dirty="0">
+                <a:latin typeface="Times New Roman" panose="02020603050405020304" pitchFamily="18" charset="0"/>
+                <a:ea typeface="新細明體" panose="02020500000000000000" pitchFamily="18" charset="-120"/>
+                <a:cs typeface="Arial" panose="020B0604020202020204" pitchFamily="34" charset="0"/>
+              </a:rPr>
+              <a:t> </a:t>
+            </a:r>
             <a:r>
               <a:rPr lang="en-US" altLang="zh-TW" sz="1200" kern="100" dirty="0">
                 <a:latin typeface="Times New Roman" panose="02020603050405020304" pitchFamily="18" charset="0"/>
                 <a:ea typeface="新細明體" panose="02020500000000000000" pitchFamily="18" charset="-120"/>
                 <a:cs typeface="Arial" panose="020B0604020202020204" pitchFamily="34" charset="0"/>
               </a:rPr>
-              <a:t>Key factors/ actions I would</a:t>
+              <a:t>I</a:t>
             </a:r>
             <a:r>
               <a:rPr lang="zh-TW" altLang="en-US" sz="1200" kern="100" dirty="0">
@@ -7417,67 +9801,310 @@
                 <a:ea typeface="新細明體" panose="02020500000000000000" pitchFamily="18" charset="-120"/>
                 <a:cs typeface="Arial" panose="020B0604020202020204" pitchFamily="34" charset="0"/>
               </a:rPr>
-              <a:t>take:</a:t>
-            </a:r>
-          </a:p>
-          <a:p>
-            <a:pPr>
-              <a:lnSpc>
-                <a:spcPct val="115000"/>
-              </a:lnSpc>
-              <a:spcAft>
-                <a:spcPts val="800"/>
-              </a:spcAft>
-            </a:pPr>
+              <a:t>get</a:t>
+            </a:r>
+            <a:r>
+              <a:rPr lang="zh-TW" altLang="en-US" sz="1200" kern="100" dirty="0">
+                <a:latin typeface="Times New Roman" panose="02020603050405020304" pitchFamily="18" charset="0"/>
+                <a:ea typeface="新細明體" panose="02020500000000000000" pitchFamily="18" charset="-120"/>
+                <a:cs typeface="Arial" panose="020B0604020202020204" pitchFamily="34" charset="0"/>
+              </a:rPr>
+              <a:t> </a:t>
+            </a:r>
             <a:r>
               <a:rPr lang="en-US" altLang="zh-TW" sz="1200" kern="100" dirty="0">
                 <a:latin typeface="Times New Roman" panose="02020603050405020304" pitchFamily="18" charset="0"/>
                 <a:ea typeface="新細明體" panose="02020500000000000000" pitchFamily="18" charset="-120"/>
                 <a:cs typeface="Arial" panose="020B0604020202020204" pitchFamily="34" charset="0"/>
               </a:rPr>
-              <a:t>Keep every information/ discussion in record, maintain a detailed knowledge database to avoid information loss. </a:t>
-            </a:r>
-          </a:p>
-          <a:p>
-            <a:pPr>
-              <a:lnSpc>
-                <a:spcPct val="115000"/>
-              </a:lnSpc>
-              <a:spcAft>
-                <a:spcPts val="800"/>
-              </a:spcAft>
-            </a:pPr>
-            <a:r>
-              <a:rPr lang="en-US" altLang="zh-TW" sz="1200" kern="100" dirty="0">
-                <a:latin typeface="Times New Roman" panose="02020603050405020304" pitchFamily="18" charset="0"/>
-                <a:ea typeface="新細明體" panose="02020500000000000000" pitchFamily="18" charset="-120"/>
-                <a:cs typeface="Arial" panose="020B0604020202020204" pitchFamily="34" charset="0"/>
-              </a:rPr>
-              <a:t>Making sure development progress on track, timely follow-up when requirement/ task priority change. </a:t>
-            </a:r>
-          </a:p>
-          <a:p>
-            <a:pPr>
-              <a:lnSpc>
-                <a:spcPct val="115000"/>
-              </a:lnSpc>
-              <a:spcAft>
-                <a:spcPts val="800"/>
-              </a:spcAft>
-            </a:pPr>
-            <a:r>
-              <a:rPr lang="en-US" altLang="zh-TW" sz="1200" kern="100" dirty="0">
-                <a:latin typeface="Times New Roman" panose="02020603050405020304" pitchFamily="18" charset="0"/>
-                <a:ea typeface="新細明體" panose="02020500000000000000" pitchFamily="18" charset="-120"/>
-                <a:cs typeface="Arial" panose="020B0604020202020204" pitchFamily="34" charset="0"/>
-              </a:rPr>
-              <a:t>Ensuring any changes to the project are transparent to stakeholders.</a:t>
-            </a:r>
-            <a:endParaRPr lang="en-US" altLang="zh-TW" sz="2800" kern="100" dirty="0">
-              <a:latin typeface="Times New Roman" panose="02020603050405020304" pitchFamily="18" charset="0"/>
-              <a:ea typeface="新細明體" panose="02020500000000000000" pitchFamily="18" charset="-120"/>
-              <a:cs typeface="Arial" panose="020B0604020202020204" pitchFamily="34" charset="0"/>
-            </a:endParaRPr>
+              <a:t>information to help me analyzing the root cause? Who should I look for to get those info?</a:t>
+            </a:r>
+          </a:p>
+          <a:p>
+            <a:pPr>
+              <a:lnSpc>
+                <a:spcPct val="115000"/>
+              </a:lnSpc>
+              <a:spcAft>
+                <a:spcPts val="800"/>
+              </a:spcAft>
+            </a:pPr>
+            <a:r>
+              <a:rPr lang="en-US" altLang="zh-TW" sz="1500" b="1" kern="100" dirty="0">
+                <a:latin typeface="Times New Roman" panose="02020603050405020304" pitchFamily="18" charset="0"/>
+                <a:ea typeface="新細明體" panose="02020500000000000000" pitchFamily="18" charset="-120"/>
+                <a:cs typeface="Arial" panose="020B0604020202020204" pitchFamily="34" charset="0"/>
+              </a:rPr>
+              <a:t>My approach involves 5 steps: </a:t>
+            </a:r>
+          </a:p>
+          <a:p>
+            <a:pPr>
+              <a:lnSpc>
+                <a:spcPct val="115000"/>
+              </a:lnSpc>
+              <a:spcAft>
+                <a:spcPts val="800"/>
+              </a:spcAft>
+            </a:pPr>
+            <a:r>
+              <a:rPr lang="en-US" altLang="zh-TW" sz="1500" b="1" kern="100" dirty="0">
+                <a:latin typeface="Times New Roman" panose="02020603050405020304" pitchFamily="18" charset="0"/>
+                <a:ea typeface="新細明體" panose="02020500000000000000" pitchFamily="18" charset="-120"/>
+                <a:cs typeface="Arial" panose="020B0604020202020204" pitchFamily="34" charset="0"/>
+              </a:rPr>
+              <a:t>First, </a:t>
+            </a:r>
+            <a:r>
+              <a:rPr lang="en-US" altLang="zh-TW" sz="1500" b="1" u="sng" kern="100" dirty="0">
+                <a:latin typeface="Times New Roman" panose="02020603050405020304" pitchFamily="18" charset="0"/>
+                <a:ea typeface="新細明體" panose="02020500000000000000" pitchFamily="18" charset="-120"/>
+                <a:cs typeface="Arial" panose="020B0604020202020204" pitchFamily="34" charset="0"/>
+              </a:rPr>
+              <a:t>understanding</a:t>
+            </a:r>
+            <a:r>
+              <a:rPr lang="en-US" altLang="zh-TW" sz="1500" b="1" kern="100" dirty="0">
+                <a:latin typeface="Times New Roman" panose="02020603050405020304" pitchFamily="18" charset="0"/>
+                <a:ea typeface="新細明體" panose="02020500000000000000" pitchFamily="18" charset="-120"/>
+                <a:cs typeface="Arial" panose="020B0604020202020204" pitchFamily="34" charset="0"/>
+              </a:rPr>
+              <a:t> how the </a:t>
+            </a:r>
+            <a:r>
+              <a:rPr lang="en-US" altLang="zh-TW" sz="1500" b="1" u="sng" kern="100" dirty="0">
+                <a:latin typeface="Times New Roman" panose="02020603050405020304" pitchFamily="18" charset="0"/>
+                <a:ea typeface="新細明體" panose="02020500000000000000" pitchFamily="18" charset="-120"/>
+                <a:cs typeface="Arial" panose="020B0604020202020204" pitchFamily="34" charset="0"/>
+              </a:rPr>
+              <a:t>business</a:t>
+            </a:r>
+            <a:r>
+              <a:rPr lang="en-US" altLang="zh-TW" sz="1500" b="1" kern="100" dirty="0">
+                <a:latin typeface="Times New Roman" panose="02020603050405020304" pitchFamily="18" charset="0"/>
+                <a:ea typeface="新細明體" panose="02020500000000000000" pitchFamily="18" charset="-120"/>
+                <a:cs typeface="Arial" panose="020B0604020202020204" pitchFamily="34" charset="0"/>
+              </a:rPr>
+              <a:t> and platform operate.</a:t>
+            </a:r>
+          </a:p>
+          <a:p>
+            <a:pPr>
+              <a:lnSpc>
+                <a:spcPct val="115000"/>
+              </a:lnSpc>
+              <a:spcAft>
+                <a:spcPts val="800"/>
+              </a:spcAft>
+            </a:pPr>
+            <a:r>
+              <a:rPr lang="en-US" altLang="zh-TW" sz="1500" b="1" kern="100" dirty="0">
+                <a:latin typeface="Times New Roman" panose="02020603050405020304" pitchFamily="18" charset="0"/>
+                <a:ea typeface="新細明體" panose="02020500000000000000" pitchFamily="18" charset="-120"/>
+                <a:cs typeface="Arial" panose="020B0604020202020204" pitchFamily="34" charset="0"/>
+              </a:rPr>
+              <a:t>Next, </a:t>
+            </a:r>
+            <a:r>
+              <a:rPr lang="en-US" altLang="zh-TW" sz="1500" b="1" u="sng" kern="100" dirty="0">
+                <a:latin typeface="Times New Roman" panose="02020603050405020304" pitchFamily="18" charset="0"/>
+                <a:ea typeface="新細明體" panose="02020500000000000000" pitchFamily="18" charset="-120"/>
+                <a:cs typeface="Arial" panose="020B0604020202020204" pitchFamily="34" charset="0"/>
+              </a:rPr>
+              <a:t>gathering</a:t>
+            </a:r>
+            <a:r>
+              <a:rPr lang="en-US" altLang="zh-TW" sz="1500" b="1" kern="100" dirty="0">
+                <a:latin typeface="Times New Roman" panose="02020603050405020304" pitchFamily="18" charset="0"/>
+                <a:ea typeface="新細明體" panose="02020500000000000000" pitchFamily="18" charset="-120"/>
+                <a:cs typeface="Arial" panose="020B0604020202020204" pitchFamily="34" charset="0"/>
+              </a:rPr>
+              <a:t> all relevant platform </a:t>
+            </a:r>
+            <a:r>
+              <a:rPr lang="en-US" altLang="zh-TW" sz="1500" b="1" u="sng" kern="100" dirty="0">
+                <a:latin typeface="Times New Roman" panose="02020603050405020304" pitchFamily="18" charset="0"/>
+                <a:ea typeface="新細明體" panose="02020500000000000000" pitchFamily="18" charset="-120"/>
+                <a:cs typeface="Arial" panose="020B0604020202020204" pitchFamily="34" charset="0"/>
+              </a:rPr>
+              <a:t>details</a:t>
+            </a:r>
+            <a:r>
+              <a:rPr lang="en-US" altLang="zh-TW" sz="1500" b="1" kern="100" dirty="0">
+                <a:latin typeface="Times New Roman" panose="02020603050405020304" pitchFamily="18" charset="0"/>
+                <a:ea typeface="新細明體" panose="02020500000000000000" pitchFamily="18" charset="-120"/>
+                <a:cs typeface="Arial" panose="020B0604020202020204" pitchFamily="34" charset="0"/>
+              </a:rPr>
+              <a:t>.</a:t>
+            </a:r>
+          </a:p>
+          <a:p>
+            <a:pPr>
+              <a:lnSpc>
+                <a:spcPct val="115000"/>
+              </a:lnSpc>
+              <a:spcAft>
+                <a:spcPts val="800"/>
+              </a:spcAft>
+            </a:pPr>
+            <a:r>
+              <a:rPr lang="en-US" altLang="zh-TW" sz="1500" b="1" kern="100" dirty="0">
+                <a:latin typeface="Times New Roman" panose="02020603050405020304" pitchFamily="18" charset="0"/>
+                <a:ea typeface="新細明體" panose="02020500000000000000" pitchFamily="18" charset="-120"/>
+                <a:cs typeface="Arial" panose="020B0604020202020204" pitchFamily="34" charset="0"/>
+              </a:rPr>
+              <a:t>Then, </a:t>
+            </a:r>
+            <a:r>
+              <a:rPr lang="en-US" altLang="zh-TW" sz="1500" b="1" u="sng" kern="100" dirty="0">
+                <a:latin typeface="Times New Roman" panose="02020603050405020304" pitchFamily="18" charset="0"/>
+                <a:ea typeface="新細明體" panose="02020500000000000000" pitchFamily="18" charset="-120"/>
+                <a:cs typeface="Arial" panose="020B0604020202020204" pitchFamily="34" charset="0"/>
+              </a:rPr>
+              <a:t>breaking down issues </a:t>
+            </a:r>
+            <a:r>
+              <a:rPr lang="en-US" altLang="zh-TW" sz="1500" b="1" kern="100" dirty="0">
+                <a:latin typeface="Times New Roman" panose="02020603050405020304" pitchFamily="18" charset="0"/>
+                <a:ea typeface="新細明體" panose="02020500000000000000" pitchFamily="18" charset="-120"/>
+                <a:cs typeface="Arial" panose="020B0604020202020204" pitchFamily="34" charset="0"/>
+              </a:rPr>
+              <a:t>into manageable parts and defining project goals. </a:t>
+            </a:r>
+          </a:p>
+          <a:p>
+            <a:pPr>
+              <a:lnSpc>
+                <a:spcPct val="115000"/>
+              </a:lnSpc>
+              <a:spcAft>
+                <a:spcPts val="800"/>
+              </a:spcAft>
+            </a:pPr>
+            <a:r>
+              <a:rPr lang="en-US" altLang="zh-TW" sz="1500" b="1" kern="100" dirty="0">
+                <a:latin typeface="Times New Roman" panose="02020603050405020304" pitchFamily="18" charset="0"/>
+                <a:ea typeface="新細明體" panose="02020500000000000000" pitchFamily="18" charset="-120"/>
+                <a:cs typeface="Arial" panose="020B0604020202020204" pitchFamily="34" charset="0"/>
+              </a:rPr>
+              <a:t>Following this, I collaborate closely with stakeholders, create a clear </a:t>
+            </a:r>
+            <a:r>
+              <a:rPr lang="en-US" altLang="zh-TW" sz="1500" b="1" u="sng" kern="100" dirty="0">
+                <a:latin typeface="Times New Roman" panose="02020603050405020304" pitchFamily="18" charset="0"/>
+                <a:ea typeface="新細明體" panose="02020500000000000000" pitchFamily="18" charset="-120"/>
+                <a:cs typeface="Arial" panose="020B0604020202020204" pitchFamily="34" charset="0"/>
+              </a:rPr>
+              <a:t>delivery</a:t>
+            </a:r>
+            <a:r>
+              <a:rPr lang="en-US" altLang="zh-TW" sz="1500" b="1" kern="100" dirty="0">
+                <a:latin typeface="Times New Roman" panose="02020603050405020304" pitchFamily="18" charset="0"/>
+                <a:ea typeface="新細明體" panose="02020500000000000000" pitchFamily="18" charset="-120"/>
+                <a:cs typeface="Arial" panose="020B0604020202020204" pitchFamily="34" charset="0"/>
+              </a:rPr>
+              <a:t> </a:t>
+            </a:r>
+            <a:r>
+              <a:rPr lang="en-US" altLang="zh-TW" sz="1500" b="1" u="sng" kern="100" dirty="0">
+                <a:latin typeface="Times New Roman" panose="02020603050405020304" pitchFamily="18" charset="0"/>
+                <a:ea typeface="新細明體" panose="02020500000000000000" pitchFamily="18" charset="-120"/>
+                <a:cs typeface="Arial" panose="020B0604020202020204" pitchFamily="34" charset="0"/>
+              </a:rPr>
+              <a:t>plan</a:t>
+            </a:r>
+            <a:r>
+              <a:rPr lang="en-US" altLang="zh-TW" sz="1500" b="1" kern="100" dirty="0">
+                <a:latin typeface="Times New Roman" panose="02020603050405020304" pitchFamily="18" charset="0"/>
+                <a:ea typeface="新細明體" panose="02020500000000000000" pitchFamily="18" charset="-120"/>
+                <a:cs typeface="Arial" panose="020B0604020202020204" pitchFamily="34" charset="0"/>
+              </a:rPr>
+              <a:t>, </a:t>
+            </a:r>
+          </a:p>
+          <a:p>
+            <a:pPr>
+              <a:lnSpc>
+                <a:spcPct val="115000"/>
+              </a:lnSpc>
+              <a:spcAft>
+                <a:spcPts val="800"/>
+              </a:spcAft>
+            </a:pPr>
+            <a:r>
+              <a:rPr lang="en-US" altLang="zh-TW" sz="1500" b="1" kern="100" dirty="0">
+                <a:latin typeface="Times New Roman" panose="02020603050405020304" pitchFamily="18" charset="0"/>
+                <a:ea typeface="新細明體" panose="02020500000000000000" pitchFamily="18" charset="-120"/>
+                <a:cs typeface="Arial" panose="020B0604020202020204" pitchFamily="34" charset="0"/>
+              </a:rPr>
+              <a:t>and seek </a:t>
+            </a:r>
+            <a:r>
+              <a:rPr lang="en-US" altLang="zh-TW" sz="1500" b="1" u="sng" kern="100" dirty="0">
+                <a:latin typeface="Times New Roman" panose="02020603050405020304" pitchFamily="18" charset="0"/>
+                <a:ea typeface="新細明體" panose="02020500000000000000" pitchFamily="18" charset="-120"/>
+                <a:cs typeface="Arial" panose="020B0604020202020204" pitchFamily="34" charset="0"/>
+              </a:rPr>
+              <a:t>budget approval</a:t>
+            </a:r>
+            <a:r>
+              <a:rPr lang="en-US" altLang="zh-TW" sz="1500" b="1" kern="100" dirty="0">
+                <a:latin typeface="Times New Roman" panose="02020603050405020304" pitchFamily="18" charset="0"/>
+                <a:ea typeface="新細明體" panose="02020500000000000000" pitchFamily="18" charset="-120"/>
+                <a:cs typeface="Arial" panose="020B0604020202020204" pitchFamily="34" charset="0"/>
+              </a:rPr>
+              <a:t>.</a:t>
+            </a:r>
+          </a:p>
+          <a:p>
+            <a:pPr>
+              <a:lnSpc>
+                <a:spcPct val="115000"/>
+              </a:lnSpc>
+              <a:spcAft>
+                <a:spcPts val="800"/>
+              </a:spcAft>
+            </a:pPr>
+            <a:r>
+              <a:rPr lang="en-US" altLang="zh-TW" sz="1500" b="1" kern="100" dirty="0">
+                <a:latin typeface="Times New Roman" panose="02020603050405020304" pitchFamily="18" charset="0"/>
+                <a:ea typeface="新細明體" panose="02020500000000000000" pitchFamily="18" charset="-120"/>
+                <a:cs typeface="Arial" panose="020B0604020202020204" pitchFamily="34" charset="0"/>
+              </a:rPr>
+              <a:t>Finally, </a:t>
+            </a:r>
+            <a:r>
+              <a:rPr lang="en-US" altLang="zh-TW" sz="1500" b="1" u="sng" kern="100" dirty="0">
+                <a:latin typeface="Times New Roman" panose="02020603050405020304" pitchFamily="18" charset="0"/>
+                <a:ea typeface="新細明體" panose="02020500000000000000" pitchFamily="18" charset="-120"/>
+                <a:cs typeface="Arial" panose="020B0604020202020204" pitchFamily="34" charset="0"/>
+              </a:rPr>
+              <a:t>kickstart</a:t>
+            </a:r>
+            <a:r>
+              <a:rPr lang="en-US" altLang="zh-TW" sz="1500" b="1" kern="100" dirty="0">
+                <a:latin typeface="Times New Roman" panose="02020603050405020304" pitchFamily="18" charset="0"/>
+                <a:ea typeface="新細明體" panose="02020500000000000000" pitchFamily="18" charset="-120"/>
+                <a:cs typeface="Arial" panose="020B0604020202020204" pitchFamily="34" charset="0"/>
+              </a:rPr>
+              <a:t> the system enhancement </a:t>
+            </a:r>
+            <a:r>
+              <a:rPr lang="en-US" altLang="zh-TW" sz="1500" b="1" u="sng" kern="100" dirty="0">
+                <a:latin typeface="Times New Roman" panose="02020603050405020304" pitchFamily="18" charset="0"/>
+                <a:ea typeface="新細明體" panose="02020500000000000000" pitchFamily="18" charset="-120"/>
+                <a:cs typeface="Arial" panose="020B0604020202020204" pitchFamily="34" charset="0"/>
+              </a:rPr>
+              <a:t>project</a:t>
+            </a:r>
+            <a:r>
+              <a:rPr lang="en-US" altLang="zh-TW" sz="1500" b="1" kern="100" dirty="0">
+                <a:latin typeface="Times New Roman" panose="02020603050405020304" pitchFamily="18" charset="0"/>
+                <a:ea typeface="新細明體" panose="02020500000000000000" pitchFamily="18" charset="-120"/>
+                <a:cs typeface="Arial" panose="020B0604020202020204" pitchFamily="34" charset="0"/>
+              </a:rPr>
+              <a:t>.</a:t>
+            </a:r>
           </a:p>
           <a:p>
             <a:pPr>
@@ -7495,12 +10122,43 @@
               <a:cs typeface="Arial" panose="020B0604020202020204" pitchFamily="34" charset="0"/>
             </a:endParaRPr>
           </a:p>
+          <a:p>
+            <a:pPr>
+              <a:lnSpc>
+                <a:spcPct val="115000"/>
+              </a:lnSpc>
+              <a:spcAft>
+                <a:spcPts val="800"/>
+              </a:spcAft>
+            </a:pPr>
+            <a:endParaRPr lang="en-US" altLang="zh-TW" sz="2800" kern="100" dirty="0">
+              <a:latin typeface="Times New Roman" panose="02020603050405020304" pitchFamily="18" charset="0"/>
+              <a:ea typeface="新細明體" panose="02020500000000000000" pitchFamily="18" charset="-120"/>
+              <a:cs typeface="Arial" panose="020B0604020202020204" pitchFamily="34" charset="0"/>
+            </a:endParaRPr>
+          </a:p>
+          <a:p>
+            <a:pPr>
+              <a:lnSpc>
+                <a:spcPct val="115000"/>
+              </a:lnSpc>
+              <a:spcAft>
+                <a:spcPts val="800"/>
+              </a:spcAft>
+            </a:pPr>
+            <a:endParaRPr lang="en-US" altLang="zh-TW" sz="2800" kern="100" dirty="0">
+              <a:effectLst/>
+              <a:latin typeface="Times New Roman" panose="02020603050405020304" pitchFamily="18" charset="0"/>
+              <a:ea typeface="新細明體" panose="02020500000000000000" pitchFamily="18" charset="-120"/>
+              <a:cs typeface="Arial" panose="020B0604020202020204" pitchFamily="34" charset="0"/>
+            </a:endParaRPr>
+          </a:p>
         </p:txBody>
       </p:sp>
     </p:spTree>
     <p:extLst>
       <p:ext uri="{BB962C8B-B14F-4D97-AF65-F5344CB8AC3E}">
-        <p14:creationId xmlns:p14="http://schemas.microsoft.com/office/powerpoint/2010/main" val="2221828343"/>
+        <p14:creationId xmlns:p14="http://schemas.microsoft.com/office/powerpoint/2010/main" val="1736065018"/>
       </p:ext>
     </p:extLst>
   </p:cSld>
